--- a/Docs/Presentation.pptx
+++ b/Docs/Presentation.pptx
@@ -10,11 +10,12 @@
     <p:sldId id="257" r:id="rId4"/>
     <p:sldId id="258" r:id="rId5"/>
     <p:sldId id="260" r:id="rId6"/>
-    <p:sldId id="261" r:id="rId7"/>
-    <p:sldId id="262" r:id="rId8"/>
-    <p:sldId id="265" r:id="rId9"/>
-    <p:sldId id="266" r:id="rId10"/>
-    <p:sldId id="267" r:id="rId11"/>
+    <p:sldId id="268" r:id="rId7"/>
+    <p:sldId id="261" r:id="rId8"/>
+    <p:sldId id="262" r:id="rId9"/>
+    <p:sldId id="265" r:id="rId10"/>
+    <p:sldId id="266" r:id="rId11"/>
+    <p:sldId id="267" r:id="rId12"/>
   </p:sldIdLst>
   <p:sldSz cx="12192000" cy="6858000"/>
   <p:notesSz cx="6858000" cy="9144000"/>
@@ -113,6 +114,11 @@
       </a:defRPr>
     </a:lvl9pPr>
   </p:defaultTextStyle>
+  <p:extLst>
+    <p:ext uri="{EFAFB233-063F-42B5-8137-9DF3F51BA10A}">
+      <p15:sldGuideLst xmlns:p15="http://schemas.microsoft.com/office/powerpoint/2012/main"/>
+    </p:ext>
+  </p:extLst>
 </p:presentation>
 </file>
 
@@ -3795,6 +3801,327 @@
       </p:grpSpPr>
       <p:sp>
         <p:nvSpPr>
+          <p:cNvPr id="12" name="Rectangle 11">
+            <a:extLst>
+              <a:ext uri="{FF2B5EF4-FFF2-40B4-BE49-F238E27FC236}">
+                <a16:creationId xmlns:a16="http://schemas.microsoft.com/office/drawing/2014/main" id="{823AC064-BC96-4F32-8AE1-B2FD38754823}"/>
+              </a:ext>
+              <a:ext uri="{C183D7F6-B498-43B3-948B-1728B52AA6E4}">
+                <adec:decorative xmlns:adec="http://schemas.microsoft.com/office/drawing/2017/decorative" val="1"/>
+              </a:ext>
+            </a:extLst>
+          </p:cNvPr>
+          <p:cNvSpPr>
+            <a:spLocks noGrp="1" noRot="1" noChangeAspect="1" noMove="1" noResize="1" noEditPoints="1" noAdjustHandles="1" noChangeArrowheads="1" noChangeShapeType="1" noTextEdit="1"/>
+          </p:cNvSpPr>
+          <p:nvPr>
+            <p:extLst>
+              <p:ext uri="{386F3935-93C4-4BCD-93E2-E3B085C9AB24}">
+                <p16:designElem xmlns:p16="http://schemas.microsoft.com/office/powerpoint/2015/main" val="1"/>
+              </p:ext>
+            </p:extLst>
+          </p:nvPr>
+        </p:nvSpPr>
+        <p:spPr bwMode="ltGray">
+          <a:xfrm>
+            <a:off x="396882" y="280374"/>
+            <a:ext cx="11438793" cy="1844256"/>
+          </a:xfrm>
+          <a:prstGeom prst="rect">
+            <a:avLst/>
+          </a:prstGeom>
+          <a:solidFill>
+            <a:srgbClr val="404040"/>
+          </a:solidFill>
+          <a:ln w="127000" cap="sq" cmpd="thinThick">
+            <a:solidFill>
+              <a:srgbClr val="404040"/>
+            </a:solidFill>
+          </a:ln>
+        </p:spPr>
+        <p:style>
+          <a:lnRef idx="2">
+            <a:schemeClr val="accent1">
+              <a:shade val="50000"/>
+            </a:schemeClr>
+          </a:lnRef>
+          <a:fillRef idx="1">
+            <a:schemeClr val="accent1"/>
+          </a:fillRef>
+          <a:effectRef idx="0">
+            <a:schemeClr val="accent1"/>
+          </a:effectRef>
+          <a:fontRef idx="minor">
+            <a:schemeClr val="lt1"/>
+          </a:fontRef>
+        </p:style>
+        <p:txBody>
+          <a:bodyPr rtlCol="0" anchor="ctr"/>
+          <a:lstStyle/>
+          <a:p>
+            <a:pPr algn="ctr"/>
+            <a:endParaRPr lang="en-US"/>
+          </a:p>
+        </p:txBody>
+      </p:sp>
+      <p:sp>
+        <p:nvSpPr>
+          <p:cNvPr id="2" name="Title 1">
+            <a:extLst>
+              <a:ext uri="{FF2B5EF4-FFF2-40B4-BE49-F238E27FC236}">
+                <a16:creationId xmlns:a16="http://schemas.microsoft.com/office/drawing/2014/main" id="{4EBFC9EE-0737-4AE5-9566-4E92CA304B54}"/>
+              </a:ext>
+            </a:extLst>
+          </p:cNvPr>
+          <p:cNvSpPr>
+            <a:spLocks noGrp="1"/>
+          </p:cNvSpPr>
+          <p:nvPr>
+            <p:ph type="title"/>
+          </p:nvPr>
+        </p:nvSpPr>
+        <p:spPr>
+          <a:xfrm>
+            <a:off x="546351" y="433545"/>
+            <a:ext cx="11139854" cy="930447"/>
+          </a:xfrm>
+        </p:spPr>
+        <p:txBody>
+          <a:bodyPr vert="horz" lIns="91440" tIns="45720" rIns="91440" bIns="45720" rtlCol="0" anchor="b">
+            <a:normAutofit/>
+          </a:bodyPr>
+          <a:lstStyle/>
+          <a:p>
+            <a:pPr algn="ctr"/>
+            <a:r>
+              <a:rPr lang="en-US" sz="5400">
+                <a:solidFill>
+                  <a:srgbClr val="FFFFFF"/>
+                </a:solidFill>
+              </a:rPr>
+              <a:t>Ποσοστό tokens με Frequency = 1</a:t>
+            </a:r>
+          </a:p>
+        </p:txBody>
+      </p:sp>
+      <p:cxnSp>
+        <p:nvCxnSpPr>
+          <p:cNvPr id="14" name="Straight Connector 13">
+            <a:extLst>
+              <a:ext uri="{FF2B5EF4-FFF2-40B4-BE49-F238E27FC236}">
+                <a16:creationId xmlns:a16="http://schemas.microsoft.com/office/drawing/2014/main" id="{7E7C77BC-7138-40B1-A15B-20F57A494629}"/>
+              </a:ext>
+              <a:ext uri="{C183D7F6-B498-43B3-948B-1728B52AA6E4}">
+                <adec:decorative xmlns:adec="http://schemas.microsoft.com/office/drawing/2017/decorative" val="1"/>
+              </a:ext>
+            </a:extLst>
+          </p:cNvPr>
+          <p:cNvCxnSpPr>
+            <a:cxnSpLocks noGrp="1" noRot="1" noChangeAspect="1" noMove="1" noResize="1" noEditPoints="1" noAdjustHandles="1" noChangeArrowheads="1" noChangeShapeType="1"/>
+          </p:cNvCxnSpPr>
+          <p:nvPr>
+            <p:extLst>
+              <p:ext uri="{386F3935-93C4-4BCD-93E2-E3B085C9AB24}">
+                <p16:designElem xmlns:p16="http://schemas.microsoft.com/office/powerpoint/2015/main" val="1"/>
+              </p:ext>
+            </p:extLst>
+          </p:nvPr>
+        </p:nvCxnSpPr>
+        <p:spPr>
+          <a:xfrm>
+            <a:off x="2230078" y="1522292"/>
+            <a:ext cx="7772400" cy="0"/>
+          </a:xfrm>
+          <a:prstGeom prst="line">
+            <a:avLst/>
+          </a:prstGeom>
+          <a:ln w="22225">
+            <a:solidFill>
+              <a:srgbClr val="D9D9D9"/>
+            </a:solidFill>
+          </a:ln>
+        </p:spPr>
+        <p:style>
+          <a:lnRef idx="1">
+            <a:schemeClr val="accent1"/>
+          </a:lnRef>
+          <a:fillRef idx="0">
+            <a:schemeClr val="accent1"/>
+          </a:fillRef>
+          <a:effectRef idx="0">
+            <a:schemeClr val="accent1"/>
+          </a:effectRef>
+          <a:fontRef idx="minor">
+            <a:schemeClr val="tx1"/>
+          </a:fontRef>
+        </p:style>
+      </p:cxnSp>
+      <p:pic>
+        <p:nvPicPr>
+          <p:cNvPr id="5" name="Content Placeholder 4" descr="Table&#10;&#10;Description automatically generated">
+            <a:extLst>
+              <a:ext uri="{FF2B5EF4-FFF2-40B4-BE49-F238E27FC236}">
+                <a16:creationId xmlns:a16="http://schemas.microsoft.com/office/drawing/2014/main" id="{E39D5106-485A-4C98-B519-BD52B557D95B}"/>
+              </a:ext>
+            </a:extLst>
+          </p:cNvPr>
+          <p:cNvPicPr>
+            <a:picLocks noGrp="1" noChangeAspect="1"/>
+          </p:cNvPicPr>
+          <p:nvPr>
+            <p:ph idx="1"/>
+          </p:nvPr>
+        </p:nvPicPr>
+        <p:blipFill>
+          <a:blip r:embed="rId2">
+            <a:extLst>
+              <a:ext uri="{28A0092B-C50C-407E-A947-70E740481C1C}">
+                <a14:useLocalDpi xmlns:a14="http://schemas.microsoft.com/office/drawing/2010/main" val="0"/>
+              </a:ext>
+            </a:extLst>
+          </a:blip>
+          <a:stretch>
+            <a:fillRect/>
+          </a:stretch>
+        </p:blipFill>
+        <p:spPr>
+          <a:xfrm>
+            <a:off x="331567" y="3856102"/>
+            <a:ext cx="5455917" cy="1139068"/>
+          </a:xfrm>
+          <a:prstGeom prst="rect">
+            <a:avLst/>
+          </a:prstGeom>
+        </p:spPr>
+      </p:pic>
+      <p:cxnSp>
+        <p:nvCxnSpPr>
+          <p:cNvPr id="16" name="Straight Connector 15">
+            <a:extLst>
+              <a:ext uri="{FF2B5EF4-FFF2-40B4-BE49-F238E27FC236}">
+                <a16:creationId xmlns:a16="http://schemas.microsoft.com/office/drawing/2014/main" id="{DB146403-F3D6-484B-B2ED-97F9565D0370}"/>
+              </a:ext>
+              <a:ext uri="{C183D7F6-B498-43B3-948B-1728B52AA6E4}">
+                <adec:decorative xmlns:adec="http://schemas.microsoft.com/office/drawing/2017/decorative" val="1"/>
+              </a:ext>
+            </a:extLst>
+          </p:cNvPr>
+          <p:cNvCxnSpPr>
+            <a:cxnSpLocks noGrp="1" noRot="1" noChangeAspect="1" noMove="1" noResize="1" noEditPoints="1" noAdjustHandles="1" noChangeArrowheads="1" noChangeShapeType="1"/>
+          </p:cNvCxnSpPr>
+          <p:nvPr>
+            <p:extLst>
+              <p:ext uri="{386F3935-93C4-4BCD-93E2-E3B085C9AB24}">
+                <p16:designElem xmlns:p16="http://schemas.microsoft.com/office/powerpoint/2015/main" val="1"/>
+              </p:ext>
+            </p:extLst>
+          </p:nvPr>
+        </p:nvCxnSpPr>
+        <p:spPr>
+          <a:xfrm>
+            <a:off x="6116278" y="2596836"/>
+            <a:ext cx="0" cy="3657600"/>
+          </a:xfrm>
+          <a:prstGeom prst="line">
+            <a:avLst/>
+          </a:prstGeom>
+          <a:ln w="101600" cmpd="dbl">
+            <a:solidFill>
+              <a:srgbClr val="595959"/>
+            </a:solidFill>
+          </a:ln>
+        </p:spPr>
+        <p:style>
+          <a:lnRef idx="1">
+            <a:schemeClr val="accent1"/>
+          </a:lnRef>
+          <a:fillRef idx="0">
+            <a:schemeClr val="accent1"/>
+          </a:fillRef>
+          <a:effectRef idx="0">
+            <a:schemeClr val="accent1"/>
+          </a:effectRef>
+          <a:fontRef idx="minor">
+            <a:schemeClr val="tx1"/>
+          </a:fontRef>
+        </p:style>
+      </p:cxnSp>
+      <p:pic>
+        <p:nvPicPr>
+          <p:cNvPr id="7" name="Picture 6" descr="Table&#10;&#10;Description automatically generated">
+            <a:extLst>
+              <a:ext uri="{FF2B5EF4-FFF2-40B4-BE49-F238E27FC236}">
+                <a16:creationId xmlns:a16="http://schemas.microsoft.com/office/drawing/2014/main" id="{EA8C10A7-BB5D-40C6-A058-80515E559BC8}"/>
+              </a:ext>
+            </a:extLst>
+          </p:cNvPr>
+          <p:cNvPicPr>
+            <a:picLocks noChangeAspect="1"/>
+          </p:cNvPicPr>
+          <p:nvPr/>
+        </p:nvPicPr>
+        <p:blipFill>
+          <a:blip r:embed="rId3">
+            <a:extLst>
+              <a:ext uri="{28A0092B-C50C-407E-A947-70E740481C1C}">
+                <a14:useLocalDpi xmlns:a14="http://schemas.microsoft.com/office/drawing/2010/main" val="0"/>
+              </a:ext>
+            </a:extLst>
+          </a:blip>
+          <a:stretch>
+            <a:fillRect/>
+          </a:stretch>
+        </p:blipFill>
+        <p:spPr>
+          <a:xfrm>
+            <a:off x="6445073" y="3857464"/>
+            <a:ext cx="5455917" cy="1136345"/>
+          </a:xfrm>
+          <a:prstGeom prst="rect">
+            <a:avLst/>
+          </a:prstGeom>
+        </p:spPr>
+      </p:pic>
+    </p:spTree>
+    <p:extLst>
+      <p:ext uri="{BB962C8B-B14F-4D97-AF65-F5344CB8AC3E}">
+        <p14:creationId xmlns:p14="http://schemas.microsoft.com/office/powerpoint/2010/main" val="1612531425"/>
+      </p:ext>
+    </p:extLst>
+  </p:cSld>
+  <p:clrMapOvr>
+    <a:masterClrMapping/>
+  </p:clrMapOvr>
+</p:sld>
+</file>
+
+<file path=ppt/slides/slide11.xml><?xml version="1.0" encoding="utf-8"?>
+<p:sld xmlns:a="http://schemas.openxmlformats.org/drawingml/2006/main" xmlns:r="http://schemas.openxmlformats.org/officeDocument/2006/relationships" xmlns:p="http://schemas.openxmlformats.org/presentationml/2006/main">
+  <p:cSld>
+    <p:bg>
+      <p:bgPr>
+        <a:solidFill>
+          <a:schemeClr val="bg1"/>
+        </a:solidFill>
+        <a:effectLst/>
+      </p:bgPr>
+    </p:bg>
+    <p:spTree>
+      <p:nvGrpSpPr>
+        <p:cNvPr id="1" name=""/>
+        <p:cNvGrpSpPr/>
+        <p:nvPr/>
+      </p:nvGrpSpPr>
+      <p:grpSpPr>
+        <a:xfrm>
+          <a:off x="0" y="0"/>
+          <a:ext cx="0" cy="0"/>
+          <a:chOff x="0" y="0"/>
+          <a:chExt cx="0" cy="0"/>
+        </a:xfrm>
+      </p:grpSpPr>
+      <p:sp>
+        <p:nvSpPr>
           <p:cNvPr id="13" name="Rectangle 7">
             <a:extLst>
               <a:ext uri="{FF2B5EF4-FFF2-40B4-BE49-F238E27FC236}">
@@ -5950,10 +6277,10 @@
       </p:grpSpPr>
       <p:sp>
         <p:nvSpPr>
-          <p:cNvPr id="8" name="Rectangle 7">
-            <a:extLst>
-              <a:ext uri="{FF2B5EF4-FFF2-40B4-BE49-F238E27FC236}">
-                <a16:creationId xmlns:a16="http://schemas.microsoft.com/office/drawing/2014/main" id="{02D886F1-CB4A-4FC1-AAA7-9402B0D0DDDD}"/>
+          <p:cNvPr id="12" name="Rectangle 11">
+            <a:extLst>
+              <a:ext uri="{FF2B5EF4-FFF2-40B4-BE49-F238E27FC236}">
+                <a16:creationId xmlns:a16="http://schemas.microsoft.com/office/drawing/2014/main" id="{823AC064-BC96-4F32-8AE1-B2FD38754823}"/>
               </a:ext>
               <a:ext uri="{C183D7F6-B498-43B3-948B-1728B52AA6E4}">
                 <adec:decorative xmlns:adec="http://schemas.microsoft.com/office/drawing/2017/decorative" val="1"/>
@@ -5971,19 +6298,21 @@
             </p:extLst>
           </p:nvPr>
         </p:nvSpPr>
-        <p:spPr>
-          <a:xfrm>
-            <a:off x="0" y="0"/>
-            <a:ext cx="2013557" cy="6858000"/>
+        <p:spPr bwMode="ltGray">
+          <a:xfrm>
+            <a:off x="396882" y="280374"/>
+            <a:ext cx="11438793" cy="1844256"/>
           </a:xfrm>
           <a:prstGeom prst="rect">
             <a:avLst/>
           </a:prstGeom>
           <a:solidFill>
-            <a:srgbClr val="7F7F7F"/>
+            <a:srgbClr val="404040"/>
           </a:solidFill>
-          <a:ln>
-            <a:noFill/>
+          <a:ln w="127000" cap="sq" cmpd="thinThick">
+            <a:solidFill>
+              <a:srgbClr val="404040"/>
+            </a:solidFill>
           </a:ln>
         </p:spPr>
         <p:style>
@@ -6006,55 +6335,66 @@
           <a:bodyPr rtlCol="0" anchor="ctr"/>
           <a:lstStyle/>
           <a:p>
-            <a:pPr marL="0" marR="0" lvl="0" indent="0" algn="ctr" defTabSz="914400" rtl="0" eaLnBrk="1" fontAlgn="auto" latinLnBrk="0" hangingPunct="1">
-              <a:lnSpc>
-                <a:spcPct val="100000"/>
-              </a:lnSpc>
-              <a:spcBef>
-                <a:spcPts val="0"/>
-              </a:spcBef>
-              <a:spcAft>
-                <a:spcPts val="0"/>
-              </a:spcAft>
-              <a:buClrTx/>
-              <a:buSzTx/>
-              <a:buFontTx/>
-              <a:buNone/>
-              <a:tabLst/>
-              <a:defRPr/>
-            </a:pPr>
-            <a:endParaRPr kumimoji="0" lang="en-US" sz="1800" b="0" i="0" u="none" strike="noStrike" kern="1200" cap="none" spc="0" normalizeH="0" baseline="0" noProof="0">
-              <a:ln>
-                <a:noFill/>
-              </a:ln>
-              <a:solidFill>
-                <a:prstClr val="white"/>
-              </a:solidFill>
-              <a:effectLst/>
-              <a:uLnTx/>
-              <a:uFillTx/>
-              <a:latin typeface="Calibri" panose="020F0502020204030204"/>
-              <a:ea typeface="+mn-ea"/>
-              <a:cs typeface="+mn-cs"/>
-            </a:endParaRPr>
-          </a:p>
-        </p:txBody>
-      </p:sp>
-      <p:sp>
-        <p:nvSpPr>
-          <p:cNvPr id="10" name="Rectangle 9">
-            <a:extLst>
-              <a:ext uri="{FF2B5EF4-FFF2-40B4-BE49-F238E27FC236}">
-                <a16:creationId xmlns:a16="http://schemas.microsoft.com/office/drawing/2014/main" id="{762B7B97-C3EE-4AEE-A61F-AFA873FE2FCA}"/>
+            <a:pPr algn="ctr"/>
+            <a:endParaRPr lang="en-US"/>
+          </a:p>
+        </p:txBody>
+      </p:sp>
+      <p:sp>
+        <p:nvSpPr>
+          <p:cNvPr id="2" name="Title 1">
+            <a:extLst>
+              <a:ext uri="{FF2B5EF4-FFF2-40B4-BE49-F238E27FC236}">
+                <a16:creationId xmlns:a16="http://schemas.microsoft.com/office/drawing/2014/main" id="{94475DF0-B2B4-48CC-BEFC-6596DFBB2F22}"/>
+              </a:ext>
+            </a:extLst>
+          </p:cNvPr>
+          <p:cNvSpPr>
+            <a:spLocks noGrp="1"/>
+          </p:cNvSpPr>
+          <p:nvPr>
+            <p:ph type="title"/>
+          </p:nvPr>
+        </p:nvSpPr>
+        <p:spPr>
+          <a:xfrm>
+            <a:off x="546351" y="433545"/>
+            <a:ext cx="11139854" cy="930447"/>
+          </a:xfrm>
+        </p:spPr>
+        <p:txBody>
+          <a:bodyPr vert="horz" lIns="91440" tIns="45720" rIns="91440" bIns="45720" rtlCol="0" anchor="b">
+            <a:normAutofit/>
+          </a:bodyPr>
+          <a:lstStyle/>
+          <a:p>
+            <a:pPr algn="ctr"/>
+            <a:r>
+              <a:rPr lang="en-US" sz="5400" dirty="0">
+                <a:solidFill>
+                  <a:srgbClr val="FFFFFF"/>
+                </a:solidFill>
+              </a:rPr>
+              <a:t>Pre-Processing</a:t>
+            </a:r>
+          </a:p>
+        </p:txBody>
+      </p:sp>
+      <p:cxnSp>
+        <p:nvCxnSpPr>
+          <p:cNvPr id="14" name="Straight Connector 13">
+            <a:extLst>
+              <a:ext uri="{FF2B5EF4-FFF2-40B4-BE49-F238E27FC236}">
+                <a16:creationId xmlns:a16="http://schemas.microsoft.com/office/drawing/2014/main" id="{7E7C77BC-7138-40B1-A15B-20F57A494629}"/>
               </a:ext>
               <a:ext uri="{C183D7F6-B498-43B3-948B-1728B52AA6E4}">
                 <adec:decorative xmlns:adec="http://schemas.microsoft.com/office/drawing/2017/decorative" val="1"/>
               </a:ext>
             </a:extLst>
           </p:cNvPr>
-          <p:cNvSpPr>
-            <a:spLocks noGrp="1" noRot="1" noChangeAspect="1" noMove="1" noResize="1" noEditPoints="1" noAdjustHandles="1" noChangeArrowheads="1" noChangeShapeType="1" noTextEdit="1"/>
-          </p:cNvSpPr>
+          <p:cNvCxnSpPr>
+            <a:cxnSpLocks noGrp="1" noRot="1" noChangeAspect="1" noMove="1" noResize="1" noEditPoints="1" noAdjustHandles="1" noChangeArrowheads="1" noChangeShapeType="1"/>
+          </p:cNvCxnSpPr>
           <p:nvPr>
             <p:extLst>
               <p:ext uri="{386F3935-93C4-4BCD-93E2-E3B085C9AB24}">
@@ -6062,283 +6402,121 @@
               </p:ext>
             </p:extLst>
           </p:nvPr>
-        </p:nvSpPr>
+        </p:nvCxnSpPr>
         <p:spPr>
-          <a:xfrm flipH="1">
-            <a:off x="2013557" y="0"/>
-            <a:ext cx="10178443" cy="6858000"/>
-          </a:xfrm>
-          <a:prstGeom prst="rect">
+          <a:xfrm>
+            <a:off x="2230078" y="1522292"/>
+            <a:ext cx="7772400" cy="0"/>
+          </a:xfrm>
+          <a:prstGeom prst="line">
             <a:avLst/>
           </a:prstGeom>
-          <a:solidFill>
-            <a:schemeClr val="tx1">
-              <a:lumMod val="75000"/>
-              <a:lumOff val="25000"/>
-            </a:schemeClr>
-          </a:solidFill>
-          <a:ln>
-            <a:noFill/>
+          <a:ln w="22225">
+            <a:solidFill>
+              <a:srgbClr val="D9D9D9"/>
+            </a:solidFill>
           </a:ln>
         </p:spPr>
         <p:style>
-          <a:lnRef idx="2">
-            <a:schemeClr val="accent1">
-              <a:shade val="50000"/>
-            </a:schemeClr>
+          <a:lnRef idx="1">
+            <a:schemeClr val="accent1"/>
           </a:lnRef>
-          <a:fillRef idx="1">
+          <a:fillRef idx="0">
             <a:schemeClr val="accent1"/>
           </a:fillRef>
           <a:effectRef idx="0">
             <a:schemeClr val="accent1"/>
           </a:effectRef>
           <a:fontRef idx="minor">
-            <a:schemeClr val="lt1"/>
+            <a:schemeClr val="tx1"/>
           </a:fontRef>
         </p:style>
-        <p:txBody>
-          <a:bodyPr rtlCol="0" anchor="ctr"/>
-          <a:lstStyle/>
-          <a:p>
-            <a:pPr marL="0" marR="0" lvl="0" indent="0" algn="ctr" defTabSz="914400" rtl="0" eaLnBrk="1" fontAlgn="auto" latinLnBrk="0" hangingPunct="1">
-              <a:lnSpc>
-                <a:spcPct val="100000"/>
-              </a:lnSpc>
-              <a:spcBef>
-                <a:spcPts val="0"/>
-              </a:spcBef>
-              <a:spcAft>
-                <a:spcPts val="0"/>
-              </a:spcAft>
-              <a:buClrTx/>
-              <a:buSzTx/>
-              <a:buFontTx/>
-              <a:buNone/>
-              <a:tabLst/>
-              <a:defRPr/>
-            </a:pPr>
-            <a:endParaRPr kumimoji="0" lang="en-US" sz="1800" b="0" i="0" u="none" strike="noStrike" kern="1200" cap="none" spc="0" normalizeH="0" baseline="0" noProof="0">
-              <a:ln>
-                <a:noFill/>
-              </a:ln>
-              <a:solidFill>
-                <a:prstClr val="white"/>
-              </a:solidFill>
-              <a:effectLst/>
-              <a:uLnTx/>
-              <a:uFillTx/>
-              <a:latin typeface="Calibri" panose="020F0502020204030204"/>
-              <a:ea typeface="+mn-ea"/>
-              <a:cs typeface="+mn-cs"/>
-            </a:endParaRPr>
-          </a:p>
-        </p:txBody>
-      </p:sp>
-      <p:sp>
-        <p:nvSpPr>
-          <p:cNvPr id="2" name="Title 1">
-            <a:extLst>
-              <a:ext uri="{FF2B5EF4-FFF2-40B4-BE49-F238E27FC236}">
-                <a16:creationId xmlns:a16="http://schemas.microsoft.com/office/drawing/2014/main" id="{EBD7C81D-4AFE-4312-853A-DD8F6DACA464}"/>
-              </a:ext>
-            </a:extLst>
-          </p:cNvPr>
-          <p:cNvSpPr>
-            <a:spLocks noGrp="1"/>
-          </p:cNvSpPr>
-          <p:nvPr>
-            <p:ph type="title"/>
-          </p:nvPr>
-        </p:nvSpPr>
+      </p:cxnSp>
+      <p:cxnSp>
+        <p:nvCxnSpPr>
+          <p:cNvPr id="16" name="Straight Connector 15">
+            <a:extLst>
+              <a:ext uri="{FF2B5EF4-FFF2-40B4-BE49-F238E27FC236}">
+                <a16:creationId xmlns:a16="http://schemas.microsoft.com/office/drawing/2014/main" id="{DB146403-F3D6-484B-B2ED-97F9565D0370}"/>
+              </a:ext>
+              <a:ext uri="{C183D7F6-B498-43B3-948B-1728B52AA6E4}">
+                <adec:decorative xmlns:adec="http://schemas.microsoft.com/office/drawing/2017/decorative" val="1"/>
+              </a:ext>
+            </a:extLst>
+          </p:cNvPr>
+          <p:cNvCxnSpPr>
+            <a:cxnSpLocks noGrp="1" noRot="1" noChangeAspect="1" noMove="1" noResize="1" noEditPoints="1" noAdjustHandles="1" noChangeArrowheads="1" noChangeShapeType="1"/>
+          </p:cNvCxnSpPr>
+          <p:nvPr>
+            <p:extLst>
+              <p:ext uri="{386F3935-93C4-4BCD-93E2-E3B085C9AB24}">
+                <p16:designElem xmlns:p16="http://schemas.microsoft.com/office/powerpoint/2015/main" val="1"/>
+              </p:ext>
+            </p:extLst>
+          </p:nvPr>
+        </p:nvCxnSpPr>
         <p:spPr>
           <a:xfrm>
-            <a:off x="623787" y="1635358"/>
-            <a:ext cx="2752344" cy="2706624"/>
-          </a:xfrm>
-          <a:prstGeom prst="ellipse">
+            <a:off x="6116278" y="2596836"/>
+            <a:ext cx="0" cy="3657600"/>
+          </a:xfrm>
+          <a:prstGeom prst="line">
             <a:avLst/>
           </a:prstGeom>
-          <a:solidFill>
-            <a:schemeClr val="bg1"/>
-          </a:solidFill>
-          <a:ln w="174625" cmpd="thinThick">
+          <a:ln w="101600" cmpd="dbl">
             <a:solidFill>
-              <a:schemeClr val="bg1"/>
+              <a:srgbClr val="595959"/>
             </a:solidFill>
           </a:ln>
         </p:spPr>
-        <p:txBody>
-          <a:bodyPr>
-            <a:normAutofit/>
-          </a:bodyPr>
-          <a:lstStyle/>
-          <a:p>
-            <a:pPr algn="ctr"/>
-            <a:r>
-              <a:rPr lang="en-US" sz="2600"/>
-              <a:t>NLP </a:t>
-            </a:r>
-            <a:r>
-              <a:rPr lang="el-GR" sz="2600"/>
-              <a:t>τεχνικές σε </a:t>
-            </a:r>
-            <a:r>
-              <a:rPr lang="en-US" sz="2600"/>
-              <a:t>essays - Results</a:t>
-            </a:r>
-          </a:p>
-        </p:txBody>
-      </p:sp>
-      <p:sp>
-        <p:nvSpPr>
-          <p:cNvPr id="3" name="Content Placeholder 2">
-            <a:extLst>
-              <a:ext uri="{FF2B5EF4-FFF2-40B4-BE49-F238E27FC236}">
-                <a16:creationId xmlns:a16="http://schemas.microsoft.com/office/drawing/2014/main" id="{A8C8EA11-8BF3-4A89-9AA2-369A2550E39A}"/>
-              </a:ext>
-            </a:extLst>
-          </p:cNvPr>
-          <p:cNvSpPr>
-            <a:spLocks noGrp="1"/>
-          </p:cNvSpPr>
+        <p:style>
+          <a:lnRef idx="1">
+            <a:schemeClr val="accent1"/>
+          </a:lnRef>
+          <a:fillRef idx="0">
+            <a:schemeClr val="accent1"/>
+          </a:fillRef>
+          <a:effectRef idx="0">
+            <a:schemeClr val="accent1"/>
+          </a:effectRef>
+          <a:fontRef idx="minor">
+            <a:schemeClr val="tx1"/>
+          </a:fontRef>
+        </p:style>
+      </p:cxnSp>
+      <p:pic>
+        <p:nvPicPr>
+          <p:cNvPr id="8" name="Content Placeholder 7">
+            <a:extLst>
+              <a:ext uri="{FF2B5EF4-FFF2-40B4-BE49-F238E27FC236}">
+                <a16:creationId xmlns:a16="http://schemas.microsoft.com/office/drawing/2014/main" id="{B4A4904B-DAD1-4559-B5C3-BE9486CD3F96}"/>
+              </a:ext>
+            </a:extLst>
+          </p:cNvPr>
+          <p:cNvPicPr>
+            <a:picLocks noGrp="1" noChangeAspect="1"/>
+          </p:cNvPicPr>
           <p:nvPr>
             <p:ph idx="1"/>
           </p:nvPr>
-        </p:nvSpPr>
+        </p:nvPicPr>
+        <p:blipFill>
+          <a:blip r:embed="rId2"/>
+          <a:stretch>
+            <a:fillRect/>
+          </a:stretch>
+        </p:blipFill>
         <p:spPr>
           <a:xfrm>
-            <a:off x="4256690" y="1088137"/>
-            <a:ext cx="6180082" cy="3801067"/>
-          </a:xfrm>
-        </p:spPr>
-        <p:txBody>
-          <a:bodyPr anchor="ctr">
-            <a:normAutofit/>
-          </a:bodyPr>
-          <a:lstStyle/>
-          <a:p>
-            <a:r>
-              <a:rPr lang="el-GR" sz="2000">
-                <a:solidFill>
-                  <a:schemeClr val="bg1"/>
-                </a:solidFill>
-              </a:rPr>
-              <a:t>Οι παρακάτω τεχνικές καλύφθηκαν:</a:t>
-            </a:r>
-          </a:p>
-          <a:p>
-            <a:pPr lvl="1"/>
-            <a:r>
-              <a:rPr lang="en-US" sz="2000">
-                <a:solidFill>
-                  <a:schemeClr val="bg1"/>
-                </a:solidFill>
-              </a:rPr>
-              <a:t>Tokenization</a:t>
-            </a:r>
-          </a:p>
-          <a:p>
-            <a:pPr lvl="1"/>
-            <a:r>
-              <a:rPr lang="en-US" sz="2000">
-                <a:solidFill>
-                  <a:schemeClr val="bg1"/>
-                </a:solidFill>
-              </a:rPr>
-              <a:t>Lemmatization</a:t>
-            </a:r>
-          </a:p>
-          <a:p>
-            <a:pPr lvl="1"/>
-            <a:r>
-              <a:rPr lang="en-US" sz="2000">
-                <a:solidFill>
-                  <a:schemeClr val="bg1"/>
-                </a:solidFill>
-              </a:rPr>
-              <a:t>Stemming</a:t>
-            </a:r>
-          </a:p>
-          <a:p>
-            <a:pPr lvl="1"/>
-            <a:r>
-              <a:rPr lang="en-US" sz="2000">
-                <a:solidFill>
-                  <a:schemeClr val="bg1"/>
-                </a:solidFill>
-              </a:rPr>
-              <a:t>POS tagging</a:t>
-            </a:r>
-          </a:p>
-          <a:p>
-            <a:pPr lvl="1"/>
-            <a:r>
-              <a:rPr lang="en-US" sz="2000">
-                <a:solidFill>
-                  <a:schemeClr val="bg1"/>
-                </a:solidFill>
-              </a:rPr>
-              <a:t>POS tagging Tree as image.</a:t>
-            </a:r>
-          </a:p>
-          <a:p>
-            <a:pPr lvl="1"/>
-            <a:r>
-              <a:rPr lang="el-GR" sz="2000">
-                <a:solidFill>
-                  <a:schemeClr val="bg1"/>
-                </a:solidFill>
-              </a:rPr>
-              <a:t>Εμφάνιση των </a:t>
-            </a:r>
-            <a:r>
-              <a:rPr lang="en-US" sz="2000">
-                <a:solidFill>
-                  <a:schemeClr val="bg1"/>
-                </a:solidFill>
-              </a:rPr>
-              <a:t>top 30 most common tokens.</a:t>
-            </a:r>
-          </a:p>
-          <a:p>
-            <a:pPr lvl="1"/>
-            <a:r>
-              <a:rPr lang="el-GR" sz="2000">
-                <a:solidFill>
-                  <a:schemeClr val="bg1"/>
-                </a:solidFill>
-              </a:rPr>
-              <a:t>Ποσοστό </a:t>
-            </a:r>
-            <a:r>
-              <a:rPr lang="en-US" sz="2000">
-                <a:solidFill>
-                  <a:schemeClr val="bg1"/>
-                </a:solidFill>
-              </a:rPr>
-              <a:t>tokens </a:t>
-            </a:r>
-            <a:r>
-              <a:rPr lang="el-GR" sz="2000">
-                <a:solidFill>
-                  <a:schemeClr val="bg1"/>
-                </a:solidFill>
-              </a:rPr>
-              <a:t>που εμφανίστηκαν ακριβώς μια φορά. </a:t>
-            </a:r>
-            <a:endParaRPr lang="en-US" sz="2000">
-              <a:solidFill>
-                <a:schemeClr val="bg1"/>
-              </a:solidFill>
-            </a:endParaRPr>
-          </a:p>
-        </p:txBody>
-      </p:sp>
+            <a:off x="2527979" y="2157177"/>
+            <a:ext cx="7176597" cy="4536918"/>
+          </a:xfrm>
+        </p:spPr>
+      </p:pic>
     </p:spTree>
     <p:extLst>
       <p:ext uri="{BB962C8B-B14F-4D97-AF65-F5344CB8AC3E}">
-        <p14:creationId xmlns:p14="http://schemas.microsoft.com/office/powerpoint/2010/main" val="4199086502"/>
+        <p14:creationId xmlns:p14="http://schemas.microsoft.com/office/powerpoint/2010/main" val="265479697"/>
       </p:ext>
     </p:extLst>
   </p:cSld>
@@ -6375,10 +6553,10 @@
       </p:grpSpPr>
       <p:sp>
         <p:nvSpPr>
-          <p:cNvPr id="48" name="Rectangle 17">
-            <a:extLst>
-              <a:ext uri="{FF2B5EF4-FFF2-40B4-BE49-F238E27FC236}">
-                <a16:creationId xmlns:a16="http://schemas.microsoft.com/office/drawing/2014/main" id="{B775CD93-9DF2-48CB-9F57-1BCA9A46C7FA}"/>
+          <p:cNvPr id="8" name="Rectangle 7">
+            <a:extLst>
+              <a:ext uri="{FF2B5EF4-FFF2-40B4-BE49-F238E27FC236}">
+                <a16:creationId xmlns:a16="http://schemas.microsoft.com/office/drawing/2014/main" id="{02D886F1-CB4A-4FC1-AAA7-9402B0D0DDDD}"/>
               </a:ext>
               <a:ext uri="{C183D7F6-B498-43B3-948B-1728B52AA6E4}">
                 <adec:decorative xmlns:adec="http://schemas.microsoft.com/office/drawing/2017/decorative" val="1"/>
@@ -6398,260 +6576,16 @@
         </p:nvSpPr>
         <p:spPr>
           <a:xfrm>
-            <a:off x="466343" y="448055"/>
-            <a:ext cx="7201941" cy="1508760"/>
+            <a:off x="0" y="0"/>
+            <a:ext cx="2013557" cy="6858000"/>
           </a:xfrm>
           <a:prstGeom prst="rect">
             <a:avLst/>
           </a:prstGeom>
           <a:solidFill>
-            <a:srgbClr val="595959"/>
+            <a:srgbClr val="7F7F7F"/>
           </a:solidFill>
-          <a:ln w="25400">
-            <a:noFill/>
-          </a:ln>
-        </p:spPr>
-        <p:style>
-          <a:lnRef idx="2">
-            <a:schemeClr val="accent1">
-              <a:shade val="50000"/>
-            </a:schemeClr>
-          </a:lnRef>
-          <a:fillRef idx="1">
-            <a:schemeClr val="accent1"/>
-          </a:fillRef>
-          <a:effectRef idx="0">
-            <a:schemeClr val="accent1"/>
-          </a:effectRef>
-          <a:fontRef idx="minor">
-            <a:schemeClr val="lt1"/>
-          </a:fontRef>
-        </p:style>
-        <p:txBody>
-          <a:bodyPr rtlCol="0" anchor="ctr"/>
-          <a:lstStyle/>
-          <a:p>
-            <a:pPr algn="ctr"/>
-            <a:endParaRPr lang="en-US">
-              <a:solidFill>
-                <a:srgbClr val="FFFFFF"/>
-              </a:solidFill>
-            </a:endParaRPr>
-          </a:p>
-        </p:txBody>
-      </p:sp>
-      <p:sp>
-        <p:nvSpPr>
-          <p:cNvPr id="2" name="Title 1">
-            <a:extLst>
-              <a:ext uri="{FF2B5EF4-FFF2-40B4-BE49-F238E27FC236}">
-                <a16:creationId xmlns:a16="http://schemas.microsoft.com/office/drawing/2014/main" id="{CBAEEAF7-995D-4AA2-B0E2-5F6E1393CA7D}"/>
-              </a:ext>
-            </a:extLst>
-          </p:cNvPr>
-          <p:cNvSpPr>
-            <a:spLocks noGrp="1"/>
-          </p:cNvSpPr>
-          <p:nvPr>
-            <p:ph type="title"/>
-          </p:nvPr>
-        </p:nvSpPr>
-        <p:spPr>
-          <a:xfrm>
-            <a:off x="777240" y="694944"/>
-            <a:ext cx="6610388" cy="1042416"/>
-          </a:xfrm>
-        </p:spPr>
-        <p:txBody>
-          <a:bodyPr>
-            <a:normAutofit fontScale="90000"/>
-          </a:bodyPr>
-          <a:lstStyle/>
-          <a:p>
-            <a:r>
-              <a:rPr lang="en-US" sz="4200" dirty="0">
-                <a:solidFill>
-                  <a:srgbClr val="FFFFFF"/>
-                </a:solidFill>
-              </a:rPr>
-              <a:t>Custom Tokenization &amp;  Stemming - Results</a:t>
-            </a:r>
-          </a:p>
-        </p:txBody>
-      </p:sp>
-      <p:sp>
-        <p:nvSpPr>
-          <p:cNvPr id="20" name="Rectangle 19">
-            <a:extLst>
-              <a:ext uri="{FF2B5EF4-FFF2-40B4-BE49-F238E27FC236}">
-                <a16:creationId xmlns:a16="http://schemas.microsoft.com/office/drawing/2014/main" id="{E186B68C-84BC-4A6E-99D1-EE87483C1349}"/>
-              </a:ext>
-              <a:ext uri="{C183D7F6-B498-43B3-948B-1728B52AA6E4}">
-                <adec:decorative xmlns:adec="http://schemas.microsoft.com/office/drawing/2017/decorative" val="1"/>
-              </a:ext>
-            </a:extLst>
-          </p:cNvPr>
-          <p:cNvSpPr>
-            <a:spLocks noGrp="1" noRot="1" noChangeAspect="1" noMove="1" noResize="1" noEditPoints="1" noAdjustHandles="1" noChangeArrowheads="1" noChangeShapeType="1" noTextEdit="1"/>
-          </p:cNvSpPr>
-          <p:nvPr>
-            <p:extLst>
-              <p:ext uri="{386F3935-93C4-4BCD-93E2-E3B085C9AB24}">
-                <p16:designElem xmlns:p16="http://schemas.microsoft.com/office/powerpoint/2015/main" val="1"/>
-              </p:ext>
-            </p:extLst>
-          </p:nvPr>
-        </p:nvSpPr>
-        <p:spPr>
-          <a:xfrm>
-            <a:off x="7845755" y="450222"/>
-            <a:ext cx="1861718" cy="1506594"/>
-          </a:xfrm>
-          <a:prstGeom prst="rect">
-            <a:avLst/>
-          </a:prstGeom>
-          <a:solidFill>
-            <a:srgbClr val="FFA000">
-              <a:alpha val="95000"/>
-            </a:srgbClr>
-          </a:solidFill>
-          <a:ln w="25400">
-            <a:noFill/>
-          </a:ln>
-        </p:spPr>
-        <p:style>
-          <a:lnRef idx="2">
-            <a:schemeClr val="accent1">
-              <a:shade val="50000"/>
-            </a:schemeClr>
-          </a:lnRef>
-          <a:fillRef idx="1">
-            <a:schemeClr val="accent1"/>
-          </a:fillRef>
-          <a:effectRef idx="0">
-            <a:schemeClr val="accent1"/>
-          </a:effectRef>
-          <a:fontRef idx="minor">
-            <a:schemeClr val="lt1"/>
-          </a:fontRef>
-        </p:style>
-        <p:txBody>
-          <a:bodyPr rtlCol="0" anchor="ctr"/>
-          <a:lstStyle/>
-          <a:p>
-            <a:pPr algn="ctr"/>
-            <a:endParaRPr lang="en-US">
-              <a:solidFill>
-                <a:srgbClr val="FFFFFF"/>
-              </a:solidFill>
-            </a:endParaRPr>
-          </a:p>
-        </p:txBody>
-      </p:sp>
-      <p:sp>
-        <p:nvSpPr>
-          <p:cNvPr id="22" name="Rectangle 21">
-            <a:extLst>
-              <a:ext uri="{FF2B5EF4-FFF2-40B4-BE49-F238E27FC236}">
-                <a16:creationId xmlns:a16="http://schemas.microsoft.com/office/drawing/2014/main" id="{6166C6D1-23AC-49C4-BA07-238E4E9F8CEB}"/>
-              </a:ext>
-              <a:ext uri="{C183D7F6-B498-43B3-948B-1728B52AA6E4}">
-                <adec:decorative xmlns:adec="http://schemas.microsoft.com/office/drawing/2017/decorative" val="1"/>
-              </a:ext>
-            </a:extLst>
-          </p:cNvPr>
-          <p:cNvSpPr>
-            <a:spLocks noGrp="1" noRot="1" noChangeAspect="1" noMove="1" noResize="1" noEditPoints="1" noAdjustHandles="1" noChangeArrowheads="1" noChangeShapeType="1" noTextEdit="1"/>
-          </p:cNvSpPr>
-          <p:nvPr>
-            <p:extLst>
-              <p:ext uri="{386F3935-93C4-4BCD-93E2-E3B085C9AB24}">
-                <p16:designElem xmlns:p16="http://schemas.microsoft.com/office/powerpoint/2015/main" val="1"/>
-              </p:ext>
-            </p:extLst>
-          </p:nvPr>
-        </p:nvSpPr>
-        <p:spPr>
-          <a:xfrm>
-            <a:off x="9870314" y="453269"/>
-            <a:ext cx="1862765" cy="1505231"/>
-          </a:xfrm>
-          <a:prstGeom prst="rect">
-            <a:avLst/>
-          </a:prstGeom>
-          <a:solidFill>
-            <a:srgbClr val="A5A5A5"/>
-          </a:solidFill>
-          <a:ln w="25400">
-            <a:noFill/>
-          </a:ln>
-        </p:spPr>
-        <p:style>
-          <a:lnRef idx="2">
-            <a:schemeClr val="accent1">
-              <a:shade val="50000"/>
-            </a:schemeClr>
-          </a:lnRef>
-          <a:fillRef idx="1">
-            <a:schemeClr val="accent1"/>
-          </a:fillRef>
-          <a:effectRef idx="0">
-            <a:schemeClr val="accent1"/>
-          </a:effectRef>
-          <a:fontRef idx="minor">
-            <a:schemeClr val="lt1"/>
-          </a:fontRef>
-        </p:style>
-        <p:txBody>
-          <a:bodyPr rtlCol="0" anchor="ctr"/>
-          <a:lstStyle/>
-          <a:p>
-            <a:pPr algn="ctr"/>
-            <a:endParaRPr lang="en-US">
-              <a:solidFill>
-                <a:srgbClr val="FFFFFF"/>
-              </a:solidFill>
-            </a:endParaRPr>
-          </a:p>
-        </p:txBody>
-      </p:sp>
-      <p:sp>
-        <p:nvSpPr>
-          <p:cNvPr id="24" name="Rectangle 23">
-            <a:extLst>
-              <a:ext uri="{FF2B5EF4-FFF2-40B4-BE49-F238E27FC236}">
-                <a16:creationId xmlns:a16="http://schemas.microsoft.com/office/drawing/2014/main" id="{06BFFB51-CE10-4747-8D87-ABC9CCB69333}"/>
-              </a:ext>
-              <a:ext uri="{C183D7F6-B498-43B3-948B-1728B52AA6E4}">
-                <adec:decorative xmlns:adec="http://schemas.microsoft.com/office/drawing/2017/decorative" val="1"/>
-              </a:ext>
-            </a:extLst>
-          </p:cNvPr>
-          <p:cNvSpPr>
-            <a:spLocks noGrp="1" noRot="1" noChangeAspect="1" noMove="1" noResize="1" noEditPoints="1" noAdjustHandles="1" noChangeArrowheads="1" noChangeShapeType="1" noTextEdit="1"/>
-          </p:cNvSpPr>
-          <p:nvPr>
-            <p:extLst>
-              <p:ext uri="{386F3935-93C4-4BCD-93E2-E3B085C9AB24}">
-                <p16:designElem xmlns:p16="http://schemas.microsoft.com/office/powerpoint/2015/main" val="1"/>
-              </p:ext>
-            </p:extLst>
-          </p:nvPr>
-        </p:nvSpPr>
-        <p:spPr>
-          <a:xfrm>
-            <a:off x="466344" y="2130551"/>
-            <a:ext cx="3502152" cy="2048256"/>
-          </a:xfrm>
-          <a:prstGeom prst="rect">
-            <a:avLst/>
-          </a:prstGeom>
-          <a:solidFill>
-            <a:srgbClr val="FFA000">
-              <a:alpha val="20000"/>
-            </a:srgbClr>
-          </a:solidFill>
-          <a:ln w="25400">
+          <a:ln>
             <a:noFill/>
           </a:ln>
         </p:spPr>
@@ -6697,7 +6631,7 @@
                 <a:noFill/>
               </a:ln>
               <a:solidFill>
-                <a:srgbClr val="FFFFFF"/>
+                <a:prstClr val="white"/>
               </a:solidFill>
               <a:effectLst/>
               <a:uLnTx/>
@@ -6709,48 +6643,12 @@
           </a:p>
         </p:txBody>
       </p:sp>
-      <p:pic>
-        <p:nvPicPr>
-          <p:cNvPr id="11" name="Picture 10" descr="Table&#10;&#10;Description automatically generated">
-            <a:extLst>
-              <a:ext uri="{FF2B5EF4-FFF2-40B4-BE49-F238E27FC236}">
-                <a16:creationId xmlns:a16="http://schemas.microsoft.com/office/drawing/2014/main" id="{60AEF5F7-D22D-49D6-92C7-8357C8D384B5}"/>
-              </a:ext>
-            </a:extLst>
-          </p:cNvPr>
-          <p:cNvPicPr>
-            <a:picLocks noChangeAspect="1"/>
-          </p:cNvPicPr>
-          <p:nvPr/>
-        </p:nvPicPr>
-        <p:blipFill>
-          <a:blip r:embed="rId2">
-            <a:extLst>
-              <a:ext uri="{28A0092B-C50C-407E-A947-70E740481C1C}">
-                <a14:useLocalDpi xmlns:a14="http://schemas.microsoft.com/office/drawing/2010/main" val="0"/>
-              </a:ext>
-            </a:extLst>
-          </a:blip>
-          <a:stretch>
-            <a:fillRect/>
-          </a:stretch>
-        </p:blipFill>
-        <p:spPr>
-          <a:xfrm>
-            <a:off x="446050" y="2393793"/>
-            <a:ext cx="3502151" cy="791658"/>
-          </a:xfrm>
-          <a:prstGeom prst="rect">
-            <a:avLst/>
-          </a:prstGeom>
-        </p:spPr>
-      </p:pic>
-      <p:sp>
-        <p:nvSpPr>
-          <p:cNvPr id="26" name="Rectangle 25">
-            <a:extLst>
-              <a:ext uri="{FF2B5EF4-FFF2-40B4-BE49-F238E27FC236}">
-                <a16:creationId xmlns:a16="http://schemas.microsoft.com/office/drawing/2014/main" id="{BB567872-8251-475D-962D-520EE04BE618}"/>
+      <p:sp>
+        <p:nvSpPr>
+          <p:cNvPr id="10" name="Rectangle 9">
+            <a:extLst>
+              <a:ext uri="{FF2B5EF4-FFF2-40B4-BE49-F238E27FC236}">
+                <a16:creationId xmlns:a16="http://schemas.microsoft.com/office/drawing/2014/main" id="{762B7B97-C3EE-4AEE-A61F-AFA873FE2FCA}"/>
               </a:ext>
               <a:ext uri="{C183D7F6-B498-43B3-948B-1728B52AA6E4}">
                 <adec:decorative xmlns:adec="http://schemas.microsoft.com/office/drawing/2017/decorative" val="1"/>
@@ -6769,19 +6667,20 @@
           </p:nvPr>
         </p:nvSpPr>
         <p:spPr>
-          <a:xfrm>
-            <a:off x="4169664" y="2130552"/>
-            <a:ext cx="3502152" cy="2048256"/>
+          <a:xfrm flipH="1">
+            <a:off x="2013557" y="0"/>
+            <a:ext cx="10178443" cy="6858000"/>
           </a:xfrm>
           <a:prstGeom prst="rect">
             <a:avLst/>
           </a:prstGeom>
           <a:solidFill>
-            <a:srgbClr val="FFA000">
-              <a:alpha val="20000"/>
-            </a:srgbClr>
+            <a:schemeClr val="tx1">
+              <a:lumMod val="75000"/>
+              <a:lumOff val="25000"/>
+            </a:schemeClr>
           </a:solidFill>
-          <a:ln w="25400">
+          <a:ln>
             <a:noFill/>
           </a:ln>
         </p:spPr>
@@ -6827,7 +6726,7 @@
                 <a:noFill/>
               </a:ln>
               <a:solidFill>
-                <a:srgbClr val="FFFFFF"/>
+                <a:prstClr val="white"/>
               </a:solidFill>
               <a:effectLst/>
               <a:uLnTx/>
@@ -6839,474 +6738,210 @@
           </a:p>
         </p:txBody>
       </p:sp>
-      <p:pic>
-        <p:nvPicPr>
-          <p:cNvPr id="5" name="Content Placeholder 4" descr="Table&#10;&#10;Description automatically generated">
-            <a:extLst>
-              <a:ext uri="{FF2B5EF4-FFF2-40B4-BE49-F238E27FC236}">
-                <a16:creationId xmlns:a16="http://schemas.microsoft.com/office/drawing/2014/main" id="{FB582759-9809-4E20-A45A-BD9DECF99312}"/>
-              </a:ext>
-            </a:extLst>
-          </p:cNvPr>
-          <p:cNvPicPr>
-            <a:picLocks noChangeAspect="1"/>
-          </p:cNvPicPr>
-          <p:nvPr/>
-        </p:nvPicPr>
-        <p:blipFill>
-          <a:blip r:embed="rId3">
-            <a:extLst>
-              <a:ext uri="{28A0092B-C50C-407E-A947-70E740481C1C}">
-                <a14:useLocalDpi xmlns:a14="http://schemas.microsoft.com/office/drawing/2010/main" val="0"/>
-              </a:ext>
-            </a:extLst>
-          </a:blip>
-          <a:stretch>
-            <a:fillRect/>
-          </a:stretch>
-        </p:blipFill>
+      <p:sp>
+        <p:nvSpPr>
+          <p:cNvPr id="2" name="Title 1">
+            <a:extLst>
+              <a:ext uri="{FF2B5EF4-FFF2-40B4-BE49-F238E27FC236}">
+                <a16:creationId xmlns:a16="http://schemas.microsoft.com/office/drawing/2014/main" id="{EBD7C81D-4AFE-4312-853A-DD8F6DACA464}"/>
+              </a:ext>
+            </a:extLst>
+          </p:cNvPr>
+          <p:cNvSpPr>
+            <a:spLocks noGrp="1"/>
+          </p:cNvSpPr>
+          <p:nvPr>
+            <p:ph type="title"/>
+          </p:nvPr>
+        </p:nvSpPr>
         <p:spPr>
           <a:xfrm>
-            <a:off x="4209624" y="3273341"/>
-            <a:ext cx="3422232" cy="791658"/>
-          </a:xfrm>
-          <a:prstGeom prst="rect">
-            <a:avLst/>
-          </a:prstGeom>
-        </p:spPr>
-      </p:pic>
-      <p:sp>
-        <p:nvSpPr>
-          <p:cNvPr id="49" name="Rectangle 27">
-            <a:extLst>
-              <a:ext uri="{FF2B5EF4-FFF2-40B4-BE49-F238E27FC236}">
-                <a16:creationId xmlns:a16="http://schemas.microsoft.com/office/drawing/2014/main" id="{1A6DEEC8-CE11-49F4-A18C-EC6EF9B7182E}"/>
-              </a:ext>
-              <a:ext uri="{C183D7F6-B498-43B3-948B-1728B52AA6E4}">
-                <adec:decorative xmlns:adec="http://schemas.microsoft.com/office/drawing/2017/decorative" val="1"/>
-              </a:ext>
-            </a:extLst>
-          </p:cNvPr>
-          <p:cNvSpPr>
-            <a:spLocks noGrp="1" noRot="1" noChangeAspect="1" noMove="1" noResize="1" noEditPoints="1" noAdjustHandles="1" noChangeArrowheads="1" noChangeShapeType="1" noTextEdit="1"/>
-          </p:cNvSpPr>
-          <p:nvPr>
-            <p:extLst>
-              <p:ext uri="{386F3935-93C4-4BCD-93E2-E3B085C9AB24}">
-                <p16:designElem xmlns:p16="http://schemas.microsoft.com/office/powerpoint/2015/main" val="1"/>
-              </p:ext>
-            </p:extLst>
-          </p:nvPr>
-        </p:nvSpPr>
-        <p:spPr>
-          <a:xfrm>
-            <a:off x="466344" y="4343400"/>
-            <a:ext cx="3502152" cy="2048256"/>
-          </a:xfrm>
-          <a:prstGeom prst="rect">
+            <a:off x="623787" y="1635358"/>
+            <a:ext cx="2752344" cy="2706624"/>
+          </a:xfrm>
+          <a:prstGeom prst="ellipse">
             <a:avLst/>
           </a:prstGeom>
           <a:solidFill>
-            <a:srgbClr val="FFA000">
-              <a:alpha val="20000"/>
-            </a:srgbClr>
+            <a:schemeClr val="bg1"/>
           </a:solidFill>
-          <a:ln w="25400">
-            <a:noFill/>
+          <a:ln w="174625" cmpd="thinThick">
+            <a:solidFill>
+              <a:schemeClr val="bg1"/>
+            </a:solidFill>
           </a:ln>
         </p:spPr>
-        <p:style>
-          <a:lnRef idx="2">
-            <a:schemeClr val="accent1">
-              <a:shade val="50000"/>
-            </a:schemeClr>
-          </a:lnRef>
-          <a:fillRef idx="1">
-            <a:schemeClr val="accent1"/>
-          </a:fillRef>
-          <a:effectRef idx="0">
-            <a:schemeClr val="accent1"/>
-          </a:effectRef>
-          <a:fontRef idx="minor">
-            <a:schemeClr val="lt1"/>
-          </a:fontRef>
-        </p:style>
-        <p:txBody>
-          <a:bodyPr rtlCol="0" anchor="ctr"/>
-          <a:lstStyle/>
-          <a:p>
-            <a:pPr marL="0" marR="0" lvl="0" indent="0" algn="ctr" defTabSz="914400" rtl="0" eaLnBrk="1" fontAlgn="auto" latinLnBrk="0" hangingPunct="1">
-              <a:lnSpc>
-                <a:spcPct val="100000"/>
-              </a:lnSpc>
-              <a:spcBef>
-                <a:spcPts val="0"/>
-              </a:spcBef>
-              <a:spcAft>
-                <a:spcPts val="0"/>
-              </a:spcAft>
-              <a:buClrTx/>
-              <a:buSzTx/>
-              <a:buFontTx/>
-              <a:buNone/>
-              <a:tabLst/>
-              <a:defRPr/>
-            </a:pPr>
-            <a:endParaRPr kumimoji="0" lang="en-US" sz="1800" b="0" i="0" u="none" strike="noStrike" kern="1200" cap="none" spc="0" normalizeH="0" baseline="0" noProof="0">
-              <a:ln>
-                <a:noFill/>
-              </a:ln>
+        <p:txBody>
+          <a:bodyPr>
+            <a:normAutofit/>
+          </a:bodyPr>
+          <a:lstStyle/>
+          <a:p>
+            <a:pPr algn="ctr"/>
+            <a:r>
+              <a:rPr lang="en-US" sz="2600"/>
+              <a:t>NLP </a:t>
+            </a:r>
+            <a:r>
+              <a:rPr lang="el-GR" sz="2600"/>
+              <a:t>τεχνικές σε </a:t>
+            </a:r>
+            <a:r>
+              <a:rPr lang="en-US" sz="2600"/>
+              <a:t>essays - Results</a:t>
+            </a:r>
+          </a:p>
+        </p:txBody>
+      </p:sp>
+      <p:sp>
+        <p:nvSpPr>
+          <p:cNvPr id="3" name="Content Placeholder 2">
+            <a:extLst>
+              <a:ext uri="{FF2B5EF4-FFF2-40B4-BE49-F238E27FC236}">
+                <a16:creationId xmlns:a16="http://schemas.microsoft.com/office/drawing/2014/main" id="{A8C8EA11-8BF3-4A89-9AA2-369A2550E39A}"/>
+              </a:ext>
+            </a:extLst>
+          </p:cNvPr>
+          <p:cNvSpPr>
+            <a:spLocks noGrp="1"/>
+          </p:cNvSpPr>
+          <p:nvPr>
+            <p:ph idx="1"/>
+          </p:nvPr>
+        </p:nvSpPr>
+        <p:spPr>
+          <a:xfrm>
+            <a:off x="4256690" y="1088137"/>
+            <a:ext cx="6180082" cy="3801067"/>
+          </a:xfrm>
+        </p:spPr>
+        <p:txBody>
+          <a:bodyPr anchor="ctr">
+            <a:normAutofit/>
+          </a:bodyPr>
+          <a:lstStyle/>
+          <a:p>
+            <a:r>
+              <a:rPr lang="el-GR" sz="2000">
+                <a:solidFill>
+                  <a:schemeClr val="bg1"/>
+                </a:solidFill>
+              </a:rPr>
+              <a:t>Οι παρακάτω τεχνικές καλύφθηκαν:</a:t>
+            </a:r>
+          </a:p>
+          <a:p>
+            <a:pPr lvl="1"/>
+            <a:r>
+              <a:rPr lang="en-US" sz="2000">
+                <a:solidFill>
+                  <a:schemeClr val="bg1"/>
+                </a:solidFill>
+              </a:rPr>
+              <a:t>Tokenization</a:t>
+            </a:r>
+          </a:p>
+          <a:p>
+            <a:pPr lvl="1"/>
+            <a:r>
+              <a:rPr lang="en-US" sz="2000">
+                <a:solidFill>
+                  <a:schemeClr val="bg1"/>
+                </a:solidFill>
+              </a:rPr>
+              <a:t>Lemmatization</a:t>
+            </a:r>
+          </a:p>
+          <a:p>
+            <a:pPr lvl="1"/>
+            <a:r>
+              <a:rPr lang="en-US" sz="2000">
+                <a:solidFill>
+                  <a:schemeClr val="bg1"/>
+                </a:solidFill>
+              </a:rPr>
+              <a:t>Stemming</a:t>
+            </a:r>
+          </a:p>
+          <a:p>
+            <a:pPr lvl="1"/>
+            <a:r>
+              <a:rPr lang="en-US" sz="2000">
+                <a:solidFill>
+                  <a:schemeClr val="bg1"/>
+                </a:solidFill>
+              </a:rPr>
+              <a:t>POS tagging</a:t>
+            </a:r>
+          </a:p>
+          <a:p>
+            <a:pPr lvl="1"/>
+            <a:r>
+              <a:rPr lang="en-US" sz="2000">
+                <a:solidFill>
+                  <a:schemeClr val="bg1"/>
+                </a:solidFill>
+              </a:rPr>
+              <a:t>POS tagging Tree as image.</a:t>
+            </a:r>
+          </a:p>
+          <a:p>
+            <a:pPr lvl="1"/>
+            <a:r>
+              <a:rPr lang="el-GR" sz="2000">
+                <a:solidFill>
+                  <a:schemeClr val="bg1"/>
+                </a:solidFill>
+              </a:rPr>
+              <a:t>Εμφάνιση των </a:t>
+            </a:r>
+            <a:r>
+              <a:rPr lang="en-US" sz="2000">
+                <a:solidFill>
+                  <a:schemeClr val="bg1"/>
+                </a:solidFill>
+              </a:rPr>
+              <a:t>top 30 most common tokens.</a:t>
+            </a:r>
+          </a:p>
+          <a:p>
+            <a:pPr lvl="1"/>
+            <a:r>
+              <a:rPr lang="el-GR" sz="2000">
+                <a:solidFill>
+                  <a:schemeClr val="bg1"/>
+                </a:solidFill>
+              </a:rPr>
+              <a:t>Ποσοστό </a:t>
+            </a:r>
+            <a:r>
+              <a:rPr lang="en-US" sz="2000">
+                <a:solidFill>
+                  <a:schemeClr val="bg1"/>
+                </a:solidFill>
+              </a:rPr>
+              <a:t>tokens </a:t>
+            </a:r>
+            <a:r>
+              <a:rPr lang="el-GR" sz="2000">
+                <a:solidFill>
+                  <a:schemeClr val="bg1"/>
+                </a:solidFill>
+              </a:rPr>
+              <a:t>που εμφανίστηκαν ακριβώς μια φορά. </a:t>
+            </a:r>
+            <a:endParaRPr lang="en-US" sz="2000">
               <a:solidFill>
-                <a:srgbClr val="FFFFFF"/>
+                <a:schemeClr val="bg1"/>
               </a:solidFill>
-              <a:effectLst/>
-              <a:uLnTx/>
-              <a:uFillTx/>
-              <a:latin typeface="Calibri" panose="020F0502020204030204"/>
-              <a:ea typeface="+mn-ea"/>
-              <a:cs typeface="+mn-cs"/>
             </a:endParaRPr>
           </a:p>
         </p:txBody>
       </p:sp>
-      <p:pic>
-        <p:nvPicPr>
-          <p:cNvPr id="9" name="Picture 8" descr="Table&#10;&#10;Description automatically generated">
-            <a:extLst>
-              <a:ext uri="{FF2B5EF4-FFF2-40B4-BE49-F238E27FC236}">
-                <a16:creationId xmlns:a16="http://schemas.microsoft.com/office/drawing/2014/main" id="{0AF02DD5-EB61-4DE8-BD36-82A6A0209BA4}"/>
-              </a:ext>
-            </a:extLst>
-          </p:cNvPr>
-          <p:cNvPicPr>
-            <a:picLocks noChangeAspect="1"/>
-          </p:cNvPicPr>
-          <p:nvPr/>
-        </p:nvPicPr>
-        <p:blipFill>
-          <a:blip r:embed="rId4">
-            <a:extLst>
-              <a:ext uri="{28A0092B-C50C-407E-A947-70E740481C1C}">
-                <a14:useLocalDpi xmlns:a14="http://schemas.microsoft.com/office/drawing/2010/main" val="0"/>
-              </a:ext>
-            </a:extLst>
-          </a:blip>
-          <a:stretch>
-            <a:fillRect/>
-          </a:stretch>
-        </p:blipFill>
-        <p:spPr>
-          <a:xfrm>
-            <a:off x="465400" y="3282389"/>
-            <a:ext cx="3502151" cy="773563"/>
-          </a:xfrm>
-          <a:prstGeom prst="rect">
-            <a:avLst/>
-          </a:prstGeom>
-        </p:spPr>
-      </p:pic>
-      <p:sp>
-        <p:nvSpPr>
-          <p:cNvPr id="30" name="Rectangle 29">
-            <a:extLst>
-              <a:ext uri="{FF2B5EF4-FFF2-40B4-BE49-F238E27FC236}">
-                <a16:creationId xmlns:a16="http://schemas.microsoft.com/office/drawing/2014/main" id="{29A731F8-6298-4F9F-B7B3-D5A4F4D38DB0}"/>
-              </a:ext>
-              <a:ext uri="{C183D7F6-B498-43B3-948B-1728B52AA6E4}">
-                <adec:decorative xmlns:adec="http://schemas.microsoft.com/office/drawing/2017/decorative" val="1"/>
-              </a:ext>
-            </a:extLst>
-          </p:cNvPr>
-          <p:cNvSpPr>
-            <a:spLocks noGrp="1" noRot="1" noChangeAspect="1" noMove="1" noResize="1" noEditPoints="1" noAdjustHandles="1" noChangeArrowheads="1" noChangeShapeType="1" noTextEdit="1"/>
-          </p:cNvSpPr>
-          <p:nvPr>
-            <p:extLst>
-              <p:ext uri="{386F3935-93C4-4BCD-93E2-E3B085C9AB24}">
-                <p16:designElem xmlns:p16="http://schemas.microsoft.com/office/powerpoint/2015/main" val="1"/>
-              </p:ext>
-            </p:extLst>
-          </p:nvPr>
-        </p:nvSpPr>
-        <p:spPr>
-          <a:xfrm>
-            <a:off x="4169664" y="4343400"/>
-            <a:ext cx="3502152" cy="2048256"/>
-          </a:xfrm>
-          <a:prstGeom prst="rect">
-            <a:avLst/>
-          </a:prstGeom>
-          <a:solidFill>
-            <a:srgbClr val="FFA000">
-              <a:alpha val="20000"/>
-            </a:srgbClr>
-          </a:solidFill>
-          <a:ln w="25400">
-            <a:noFill/>
-          </a:ln>
-        </p:spPr>
-        <p:style>
-          <a:lnRef idx="2">
-            <a:schemeClr val="accent1">
-              <a:shade val="50000"/>
-            </a:schemeClr>
-          </a:lnRef>
-          <a:fillRef idx="1">
-            <a:schemeClr val="accent1"/>
-          </a:fillRef>
-          <a:effectRef idx="0">
-            <a:schemeClr val="accent1"/>
-          </a:effectRef>
-          <a:fontRef idx="minor">
-            <a:schemeClr val="lt1"/>
-          </a:fontRef>
-        </p:style>
-        <p:txBody>
-          <a:bodyPr rtlCol="0" anchor="ctr"/>
-          <a:lstStyle/>
-          <a:p>
-            <a:pPr marL="0" marR="0" lvl="0" indent="0" algn="ctr" defTabSz="914400" rtl="0" eaLnBrk="1" fontAlgn="auto" latinLnBrk="0" hangingPunct="1">
-              <a:lnSpc>
-                <a:spcPct val="100000"/>
-              </a:lnSpc>
-              <a:spcBef>
-                <a:spcPts val="0"/>
-              </a:spcBef>
-              <a:spcAft>
-                <a:spcPts val="0"/>
-              </a:spcAft>
-              <a:buClrTx/>
-              <a:buSzTx/>
-              <a:buFontTx/>
-              <a:buNone/>
-              <a:tabLst/>
-              <a:defRPr/>
-            </a:pPr>
-            <a:endParaRPr kumimoji="0" lang="en-US" sz="1800" b="0" i="0" u="none" strike="noStrike" kern="1200" cap="none" spc="0" normalizeH="0" baseline="0" noProof="0">
-              <a:ln>
-                <a:noFill/>
-              </a:ln>
-              <a:solidFill>
-                <a:srgbClr val="FFFFFF"/>
-              </a:solidFill>
-              <a:effectLst/>
-              <a:uLnTx/>
-              <a:uFillTx/>
-              <a:latin typeface="Calibri" panose="020F0502020204030204"/>
-              <a:ea typeface="+mn-ea"/>
-              <a:cs typeface="+mn-cs"/>
-            </a:endParaRPr>
-          </a:p>
-        </p:txBody>
-      </p:sp>
-      <p:pic>
-        <p:nvPicPr>
-          <p:cNvPr id="7" name="Picture 6" descr="Table&#10;&#10;Description automatically generated">
-            <a:extLst>
-              <a:ext uri="{FF2B5EF4-FFF2-40B4-BE49-F238E27FC236}">
-                <a16:creationId xmlns:a16="http://schemas.microsoft.com/office/drawing/2014/main" id="{7887C60F-E405-407C-8B4D-FA54E41E64CB}"/>
-              </a:ext>
-            </a:extLst>
-          </p:cNvPr>
-          <p:cNvPicPr>
-            <a:picLocks noChangeAspect="1"/>
-          </p:cNvPicPr>
-          <p:nvPr/>
-        </p:nvPicPr>
-        <p:blipFill>
-          <a:blip r:embed="rId5">
-            <a:extLst>
-              <a:ext uri="{28A0092B-C50C-407E-A947-70E740481C1C}">
-                <a14:useLocalDpi xmlns:a14="http://schemas.microsoft.com/office/drawing/2010/main" val="0"/>
-              </a:ext>
-            </a:extLst>
-          </a:blip>
-          <a:stretch>
-            <a:fillRect/>
-          </a:stretch>
-        </p:blipFill>
-        <p:spPr>
-          <a:xfrm>
-            <a:off x="4209624" y="2406876"/>
-            <a:ext cx="3454050" cy="791658"/>
-          </a:xfrm>
-          <a:prstGeom prst="rect">
-            <a:avLst/>
-          </a:prstGeom>
-        </p:spPr>
-      </p:pic>
-      <p:sp>
-        <p:nvSpPr>
-          <p:cNvPr id="32" name="Rectangle 31">
-            <a:extLst>
-              <a:ext uri="{FF2B5EF4-FFF2-40B4-BE49-F238E27FC236}">
-                <a16:creationId xmlns:a16="http://schemas.microsoft.com/office/drawing/2014/main" id="{1C091803-41C2-48E0-9228-5148460C7479}"/>
-              </a:ext>
-              <a:ext uri="{C183D7F6-B498-43B3-948B-1728B52AA6E4}">
-                <adec:decorative xmlns:adec="http://schemas.microsoft.com/office/drawing/2017/decorative" val="1"/>
-              </a:ext>
-            </a:extLst>
-          </p:cNvPr>
-          <p:cNvSpPr>
-            <a:spLocks noGrp="1" noRot="1" noChangeAspect="1" noMove="1" noResize="1" noEditPoints="1" noAdjustHandles="1" noChangeArrowheads="1" noChangeShapeType="1" noTextEdit="1"/>
-          </p:cNvSpPr>
-          <p:nvPr>
-            <p:extLst>
-              <p:ext uri="{386F3935-93C4-4BCD-93E2-E3B085C9AB24}">
-                <p16:designElem xmlns:p16="http://schemas.microsoft.com/office/powerpoint/2015/main" val="1"/>
-              </p:ext>
-            </p:extLst>
-          </p:nvPr>
-        </p:nvSpPr>
-        <p:spPr>
-          <a:xfrm>
-            <a:off x="7845755" y="2127680"/>
-            <a:ext cx="3887324" cy="4273119"/>
-          </a:xfrm>
-          <a:prstGeom prst="rect">
-            <a:avLst/>
-          </a:prstGeom>
-          <a:solidFill>
-            <a:schemeClr val="tx1">
-              <a:lumMod val="50000"/>
-              <a:lumOff val="50000"/>
-              <a:alpha val="20000"/>
-            </a:schemeClr>
-          </a:solidFill>
-          <a:ln>
-            <a:noFill/>
-          </a:ln>
-        </p:spPr>
-        <p:style>
-          <a:lnRef idx="2">
-            <a:schemeClr val="accent1">
-              <a:shade val="50000"/>
-            </a:schemeClr>
-          </a:lnRef>
-          <a:fillRef idx="1">
-            <a:schemeClr val="accent1"/>
-          </a:fillRef>
-          <a:effectRef idx="0">
-            <a:schemeClr val="accent1"/>
-          </a:effectRef>
-          <a:fontRef idx="minor">
-            <a:schemeClr val="lt1"/>
-          </a:fontRef>
-        </p:style>
-        <p:txBody>
-          <a:bodyPr rtlCol="0" anchor="ctr"/>
-          <a:lstStyle/>
-          <a:p>
-            <a:pPr algn="ctr"/>
-            <a:endParaRPr lang="en-US"/>
-          </a:p>
-        </p:txBody>
-      </p:sp>
-      <p:pic>
-        <p:nvPicPr>
-          <p:cNvPr id="13" name="Content Placeholder 12" descr="Table&#10;&#10;Description automatically generated">
-            <a:extLst>
-              <a:ext uri="{FF2B5EF4-FFF2-40B4-BE49-F238E27FC236}">
-                <a16:creationId xmlns:a16="http://schemas.microsoft.com/office/drawing/2014/main" id="{E83F9C2A-3335-4B06-A3B5-07A5CB793FB7}"/>
-              </a:ext>
-            </a:extLst>
-          </p:cNvPr>
-          <p:cNvPicPr>
-            <a:picLocks noGrp="1" noChangeAspect="1"/>
-          </p:cNvPicPr>
-          <p:nvPr>
-            <p:ph idx="1"/>
-          </p:nvPr>
-        </p:nvPicPr>
-        <p:blipFill>
-          <a:blip r:embed="rId6">
-            <a:extLst>
-              <a:ext uri="{28A0092B-C50C-407E-A947-70E740481C1C}">
-                <a14:useLocalDpi xmlns:a14="http://schemas.microsoft.com/office/drawing/2010/main" val="0"/>
-              </a:ext>
-            </a:extLst>
-          </a:blip>
-          <a:stretch>
-            <a:fillRect/>
-          </a:stretch>
-        </p:blipFill>
-        <p:spPr>
-          <a:xfrm>
-            <a:off x="4209623" y="4534679"/>
-            <a:ext cx="3465719" cy="1455632"/>
-          </a:xfrm>
-        </p:spPr>
-      </p:pic>
-      <p:pic>
-        <p:nvPicPr>
-          <p:cNvPr id="17" name="Picture 16" descr="Table&#10;&#10;Description automatically generated">
-            <a:extLst>
-              <a:ext uri="{FF2B5EF4-FFF2-40B4-BE49-F238E27FC236}">
-                <a16:creationId xmlns:a16="http://schemas.microsoft.com/office/drawing/2014/main" id="{B8FBAEAD-B90D-43C1-87FD-24422C2A8191}"/>
-              </a:ext>
-            </a:extLst>
-          </p:cNvPr>
-          <p:cNvPicPr>
-            <a:picLocks noChangeAspect="1"/>
-          </p:cNvPicPr>
-          <p:nvPr/>
-        </p:nvPicPr>
-        <p:blipFill>
-          <a:blip r:embed="rId7">
-            <a:extLst>
-              <a:ext uri="{28A0092B-C50C-407E-A947-70E740481C1C}">
-                <a14:useLocalDpi xmlns:a14="http://schemas.microsoft.com/office/drawing/2010/main" val="0"/>
-              </a:ext>
-            </a:extLst>
-          </a:blip>
-          <a:stretch>
-            <a:fillRect/>
-          </a:stretch>
-        </p:blipFill>
-        <p:spPr>
-          <a:xfrm>
-            <a:off x="446050" y="4534678"/>
-            <a:ext cx="3521501" cy="1455633"/>
-          </a:xfrm>
-          <a:prstGeom prst="rect">
-            <a:avLst/>
-          </a:prstGeom>
-        </p:spPr>
-      </p:pic>
-      <p:pic>
-        <p:nvPicPr>
-          <p:cNvPr id="35" name="Picture 34">
-            <a:extLst>
-              <a:ext uri="{FF2B5EF4-FFF2-40B4-BE49-F238E27FC236}">
-                <a16:creationId xmlns:a16="http://schemas.microsoft.com/office/drawing/2014/main" id="{4028B66C-B7DB-4324-B25B-93D348FAB5D3}"/>
-              </a:ext>
-            </a:extLst>
-          </p:cNvPr>
-          <p:cNvPicPr>
-            <a:picLocks noChangeAspect="1"/>
-          </p:cNvPicPr>
-          <p:nvPr/>
-        </p:nvPicPr>
-        <p:blipFill>
-          <a:blip r:embed="rId8"/>
-          <a:stretch>
-            <a:fillRect/>
-          </a:stretch>
-        </p:blipFill>
-        <p:spPr>
-          <a:xfrm>
-            <a:off x="8259591" y="3583585"/>
-            <a:ext cx="3059651" cy="962827"/>
-          </a:xfrm>
-          <a:prstGeom prst="rect">
-            <a:avLst/>
-          </a:prstGeom>
-        </p:spPr>
-      </p:pic>
     </p:spTree>
     <p:extLst>
       <p:ext uri="{BB962C8B-B14F-4D97-AF65-F5344CB8AC3E}">
-        <p14:creationId xmlns:p14="http://schemas.microsoft.com/office/powerpoint/2010/main" val="2608525511"/>
+        <p14:creationId xmlns:p14="http://schemas.microsoft.com/office/powerpoint/2010/main" val="4199086502"/>
       </p:ext>
     </p:extLst>
   </p:cSld>
@@ -7341,21 +6976,355 @@
           <a:chExt cx="0" cy="0"/>
         </a:xfrm>
       </p:grpSpPr>
+      <p:sp>
+        <p:nvSpPr>
+          <p:cNvPr id="48" name="Rectangle 17">
+            <a:extLst>
+              <a:ext uri="{FF2B5EF4-FFF2-40B4-BE49-F238E27FC236}">
+                <a16:creationId xmlns:a16="http://schemas.microsoft.com/office/drawing/2014/main" id="{B775CD93-9DF2-48CB-9F57-1BCA9A46C7FA}"/>
+              </a:ext>
+              <a:ext uri="{C183D7F6-B498-43B3-948B-1728B52AA6E4}">
+                <adec:decorative xmlns:adec="http://schemas.microsoft.com/office/drawing/2017/decorative" val="1"/>
+              </a:ext>
+            </a:extLst>
+          </p:cNvPr>
+          <p:cNvSpPr>
+            <a:spLocks noGrp="1" noRot="1" noChangeAspect="1" noMove="1" noResize="1" noEditPoints="1" noAdjustHandles="1" noChangeArrowheads="1" noChangeShapeType="1" noTextEdit="1"/>
+          </p:cNvSpPr>
+          <p:nvPr>
+            <p:extLst>
+              <p:ext uri="{386F3935-93C4-4BCD-93E2-E3B085C9AB24}">
+                <p16:designElem xmlns:p16="http://schemas.microsoft.com/office/powerpoint/2015/main" val="1"/>
+              </p:ext>
+            </p:extLst>
+          </p:nvPr>
+        </p:nvSpPr>
+        <p:spPr>
+          <a:xfrm>
+            <a:off x="466343" y="448055"/>
+            <a:ext cx="7201941" cy="1508760"/>
+          </a:xfrm>
+          <a:prstGeom prst="rect">
+            <a:avLst/>
+          </a:prstGeom>
+          <a:solidFill>
+            <a:srgbClr val="595959"/>
+          </a:solidFill>
+          <a:ln w="25400">
+            <a:noFill/>
+          </a:ln>
+        </p:spPr>
+        <p:style>
+          <a:lnRef idx="2">
+            <a:schemeClr val="accent1">
+              <a:shade val="50000"/>
+            </a:schemeClr>
+          </a:lnRef>
+          <a:fillRef idx="1">
+            <a:schemeClr val="accent1"/>
+          </a:fillRef>
+          <a:effectRef idx="0">
+            <a:schemeClr val="accent1"/>
+          </a:effectRef>
+          <a:fontRef idx="minor">
+            <a:schemeClr val="lt1"/>
+          </a:fontRef>
+        </p:style>
+        <p:txBody>
+          <a:bodyPr rtlCol="0" anchor="ctr"/>
+          <a:lstStyle/>
+          <a:p>
+            <a:pPr algn="ctr"/>
+            <a:endParaRPr lang="en-US">
+              <a:solidFill>
+                <a:srgbClr val="FFFFFF"/>
+              </a:solidFill>
+            </a:endParaRPr>
+          </a:p>
+        </p:txBody>
+      </p:sp>
+      <p:sp>
+        <p:nvSpPr>
+          <p:cNvPr id="2" name="Title 1">
+            <a:extLst>
+              <a:ext uri="{FF2B5EF4-FFF2-40B4-BE49-F238E27FC236}">
+                <a16:creationId xmlns:a16="http://schemas.microsoft.com/office/drawing/2014/main" id="{CBAEEAF7-995D-4AA2-B0E2-5F6E1393CA7D}"/>
+              </a:ext>
+            </a:extLst>
+          </p:cNvPr>
+          <p:cNvSpPr>
+            <a:spLocks noGrp="1"/>
+          </p:cNvSpPr>
+          <p:nvPr>
+            <p:ph type="title"/>
+          </p:nvPr>
+        </p:nvSpPr>
+        <p:spPr>
+          <a:xfrm>
+            <a:off x="777240" y="694944"/>
+            <a:ext cx="6610388" cy="1042416"/>
+          </a:xfrm>
+        </p:spPr>
+        <p:txBody>
+          <a:bodyPr>
+            <a:normAutofit fontScale="90000"/>
+          </a:bodyPr>
+          <a:lstStyle/>
+          <a:p>
+            <a:r>
+              <a:rPr lang="en-US" sz="4200" dirty="0">
+                <a:solidFill>
+                  <a:srgbClr val="FFFFFF"/>
+                </a:solidFill>
+              </a:rPr>
+              <a:t>Custom Tokenization &amp;  Stemming - Results</a:t>
+            </a:r>
+          </a:p>
+        </p:txBody>
+      </p:sp>
+      <p:sp>
+        <p:nvSpPr>
+          <p:cNvPr id="20" name="Rectangle 19">
+            <a:extLst>
+              <a:ext uri="{FF2B5EF4-FFF2-40B4-BE49-F238E27FC236}">
+                <a16:creationId xmlns:a16="http://schemas.microsoft.com/office/drawing/2014/main" id="{E186B68C-84BC-4A6E-99D1-EE87483C1349}"/>
+              </a:ext>
+              <a:ext uri="{C183D7F6-B498-43B3-948B-1728B52AA6E4}">
+                <adec:decorative xmlns:adec="http://schemas.microsoft.com/office/drawing/2017/decorative" val="1"/>
+              </a:ext>
+            </a:extLst>
+          </p:cNvPr>
+          <p:cNvSpPr>
+            <a:spLocks noGrp="1" noRot="1" noChangeAspect="1" noMove="1" noResize="1" noEditPoints="1" noAdjustHandles="1" noChangeArrowheads="1" noChangeShapeType="1" noTextEdit="1"/>
+          </p:cNvSpPr>
+          <p:nvPr>
+            <p:extLst>
+              <p:ext uri="{386F3935-93C4-4BCD-93E2-E3B085C9AB24}">
+                <p16:designElem xmlns:p16="http://schemas.microsoft.com/office/powerpoint/2015/main" val="1"/>
+              </p:ext>
+            </p:extLst>
+          </p:nvPr>
+        </p:nvSpPr>
+        <p:spPr>
+          <a:xfrm>
+            <a:off x="7845755" y="450222"/>
+            <a:ext cx="1861718" cy="1506594"/>
+          </a:xfrm>
+          <a:prstGeom prst="rect">
+            <a:avLst/>
+          </a:prstGeom>
+          <a:solidFill>
+            <a:srgbClr val="FFA000">
+              <a:alpha val="95000"/>
+            </a:srgbClr>
+          </a:solidFill>
+          <a:ln w="25400">
+            <a:noFill/>
+          </a:ln>
+        </p:spPr>
+        <p:style>
+          <a:lnRef idx="2">
+            <a:schemeClr val="accent1">
+              <a:shade val="50000"/>
+            </a:schemeClr>
+          </a:lnRef>
+          <a:fillRef idx="1">
+            <a:schemeClr val="accent1"/>
+          </a:fillRef>
+          <a:effectRef idx="0">
+            <a:schemeClr val="accent1"/>
+          </a:effectRef>
+          <a:fontRef idx="minor">
+            <a:schemeClr val="lt1"/>
+          </a:fontRef>
+        </p:style>
+        <p:txBody>
+          <a:bodyPr rtlCol="0" anchor="ctr"/>
+          <a:lstStyle/>
+          <a:p>
+            <a:pPr algn="ctr"/>
+            <a:endParaRPr lang="en-US">
+              <a:solidFill>
+                <a:srgbClr val="FFFFFF"/>
+              </a:solidFill>
+            </a:endParaRPr>
+          </a:p>
+        </p:txBody>
+      </p:sp>
+      <p:sp>
+        <p:nvSpPr>
+          <p:cNvPr id="22" name="Rectangle 21">
+            <a:extLst>
+              <a:ext uri="{FF2B5EF4-FFF2-40B4-BE49-F238E27FC236}">
+                <a16:creationId xmlns:a16="http://schemas.microsoft.com/office/drawing/2014/main" id="{6166C6D1-23AC-49C4-BA07-238E4E9F8CEB}"/>
+              </a:ext>
+              <a:ext uri="{C183D7F6-B498-43B3-948B-1728B52AA6E4}">
+                <adec:decorative xmlns:adec="http://schemas.microsoft.com/office/drawing/2017/decorative" val="1"/>
+              </a:ext>
+            </a:extLst>
+          </p:cNvPr>
+          <p:cNvSpPr>
+            <a:spLocks noGrp="1" noRot="1" noChangeAspect="1" noMove="1" noResize="1" noEditPoints="1" noAdjustHandles="1" noChangeArrowheads="1" noChangeShapeType="1" noTextEdit="1"/>
+          </p:cNvSpPr>
+          <p:nvPr>
+            <p:extLst>
+              <p:ext uri="{386F3935-93C4-4BCD-93E2-E3B085C9AB24}">
+                <p16:designElem xmlns:p16="http://schemas.microsoft.com/office/powerpoint/2015/main" val="1"/>
+              </p:ext>
+            </p:extLst>
+          </p:nvPr>
+        </p:nvSpPr>
+        <p:spPr>
+          <a:xfrm>
+            <a:off x="9870314" y="453269"/>
+            <a:ext cx="1862765" cy="1505231"/>
+          </a:xfrm>
+          <a:prstGeom prst="rect">
+            <a:avLst/>
+          </a:prstGeom>
+          <a:solidFill>
+            <a:srgbClr val="A5A5A5"/>
+          </a:solidFill>
+          <a:ln w="25400">
+            <a:noFill/>
+          </a:ln>
+        </p:spPr>
+        <p:style>
+          <a:lnRef idx="2">
+            <a:schemeClr val="accent1">
+              <a:shade val="50000"/>
+            </a:schemeClr>
+          </a:lnRef>
+          <a:fillRef idx="1">
+            <a:schemeClr val="accent1"/>
+          </a:fillRef>
+          <a:effectRef idx="0">
+            <a:schemeClr val="accent1"/>
+          </a:effectRef>
+          <a:fontRef idx="minor">
+            <a:schemeClr val="lt1"/>
+          </a:fontRef>
+        </p:style>
+        <p:txBody>
+          <a:bodyPr rtlCol="0" anchor="ctr"/>
+          <a:lstStyle/>
+          <a:p>
+            <a:pPr algn="ctr"/>
+            <a:endParaRPr lang="en-US">
+              <a:solidFill>
+                <a:srgbClr val="FFFFFF"/>
+              </a:solidFill>
+            </a:endParaRPr>
+          </a:p>
+        </p:txBody>
+      </p:sp>
+      <p:sp>
+        <p:nvSpPr>
+          <p:cNvPr id="24" name="Rectangle 23">
+            <a:extLst>
+              <a:ext uri="{FF2B5EF4-FFF2-40B4-BE49-F238E27FC236}">
+                <a16:creationId xmlns:a16="http://schemas.microsoft.com/office/drawing/2014/main" id="{06BFFB51-CE10-4747-8D87-ABC9CCB69333}"/>
+              </a:ext>
+              <a:ext uri="{C183D7F6-B498-43B3-948B-1728B52AA6E4}">
+                <adec:decorative xmlns:adec="http://schemas.microsoft.com/office/drawing/2017/decorative" val="1"/>
+              </a:ext>
+            </a:extLst>
+          </p:cNvPr>
+          <p:cNvSpPr>
+            <a:spLocks noGrp="1" noRot="1" noChangeAspect="1" noMove="1" noResize="1" noEditPoints="1" noAdjustHandles="1" noChangeArrowheads="1" noChangeShapeType="1" noTextEdit="1"/>
+          </p:cNvSpPr>
+          <p:nvPr>
+            <p:extLst>
+              <p:ext uri="{386F3935-93C4-4BCD-93E2-E3B085C9AB24}">
+                <p16:designElem xmlns:p16="http://schemas.microsoft.com/office/powerpoint/2015/main" val="1"/>
+              </p:ext>
+            </p:extLst>
+          </p:nvPr>
+        </p:nvSpPr>
+        <p:spPr>
+          <a:xfrm>
+            <a:off x="466344" y="2130551"/>
+            <a:ext cx="3502152" cy="2048256"/>
+          </a:xfrm>
+          <a:prstGeom prst="rect">
+            <a:avLst/>
+          </a:prstGeom>
+          <a:solidFill>
+            <a:srgbClr val="FFA000">
+              <a:alpha val="20000"/>
+            </a:srgbClr>
+          </a:solidFill>
+          <a:ln w="25400">
+            <a:noFill/>
+          </a:ln>
+        </p:spPr>
+        <p:style>
+          <a:lnRef idx="2">
+            <a:schemeClr val="accent1">
+              <a:shade val="50000"/>
+            </a:schemeClr>
+          </a:lnRef>
+          <a:fillRef idx="1">
+            <a:schemeClr val="accent1"/>
+          </a:fillRef>
+          <a:effectRef idx="0">
+            <a:schemeClr val="accent1"/>
+          </a:effectRef>
+          <a:fontRef idx="minor">
+            <a:schemeClr val="lt1"/>
+          </a:fontRef>
+        </p:style>
+        <p:txBody>
+          <a:bodyPr rtlCol="0" anchor="ctr"/>
+          <a:lstStyle/>
+          <a:p>
+            <a:pPr marL="0" marR="0" lvl="0" indent="0" algn="ctr" defTabSz="914400" rtl="0" eaLnBrk="1" fontAlgn="auto" latinLnBrk="0" hangingPunct="1">
+              <a:lnSpc>
+                <a:spcPct val="100000"/>
+              </a:lnSpc>
+              <a:spcBef>
+                <a:spcPts val="0"/>
+              </a:spcBef>
+              <a:spcAft>
+                <a:spcPts val="0"/>
+              </a:spcAft>
+              <a:buClrTx/>
+              <a:buSzTx/>
+              <a:buFontTx/>
+              <a:buNone/>
+              <a:tabLst/>
+              <a:defRPr/>
+            </a:pPr>
+            <a:endParaRPr kumimoji="0" lang="en-US" sz="1800" b="0" i="0" u="none" strike="noStrike" kern="1200" cap="none" spc="0" normalizeH="0" baseline="0" noProof="0">
+              <a:ln>
+                <a:noFill/>
+              </a:ln>
+              <a:solidFill>
+                <a:srgbClr val="FFFFFF"/>
+              </a:solidFill>
+              <a:effectLst/>
+              <a:uLnTx/>
+              <a:uFillTx/>
+              <a:latin typeface="Calibri" panose="020F0502020204030204"/>
+              <a:ea typeface="+mn-ea"/>
+              <a:cs typeface="+mn-cs"/>
+            </a:endParaRPr>
+          </a:p>
+        </p:txBody>
+      </p:sp>
       <p:pic>
         <p:nvPicPr>
-          <p:cNvPr id="5" name="Content Placeholder 4" descr="Chart&#10;&#10;Description automatically generated">
-            <a:extLst>
-              <a:ext uri="{FF2B5EF4-FFF2-40B4-BE49-F238E27FC236}">
-                <a16:creationId xmlns:a16="http://schemas.microsoft.com/office/drawing/2014/main" id="{40D59393-595B-4C0C-A75C-284BA0A12943}"/>
+          <p:cNvPr id="11" name="Picture 10" descr="Table&#10;&#10;Description automatically generated">
+            <a:extLst>
+              <a:ext uri="{FF2B5EF4-FFF2-40B4-BE49-F238E27FC236}">
+                <a16:creationId xmlns:a16="http://schemas.microsoft.com/office/drawing/2014/main" id="{60AEF5F7-D22D-49D6-92C7-8357C8D384B5}"/>
               </a:ext>
             </a:extLst>
           </p:cNvPr>
           <p:cNvPicPr>
-            <a:picLocks noGrp="1" noChangeAspect="1"/>
+            <a:picLocks noChangeAspect="1"/>
           </p:cNvPicPr>
-          <p:nvPr>
-            <p:ph idx="1"/>
-          </p:nvPr>
+          <p:nvPr/>
         </p:nvPicPr>
         <p:blipFill>
           <a:blip r:embed="rId2">
@@ -7371,17 +7340,114 @@
         </p:blipFill>
         <p:spPr>
           <a:xfrm>
-            <a:off x="4038600" y="1450975"/>
-            <a:ext cx="7186613" cy="1968500"/>
-          </a:xfrm>
+            <a:off x="446050" y="2393793"/>
+            <a:ext cx="3502151" cy="791658"/>
+          </a:xfrm>
+          <a:prstGeom prst="rect">
+            <a:avLst/>
+          </a:prstGeom>
         </p:spPr>
       </p:pic>
+      <p:sp>
+        <p:nvSpPr>
+          <p:cNvPr id="26" name="Rectangle 25">
+            <a:extLst>
+              <a:ext uri="{FF2B5EF4-FFF2-40B4-BE49-F238E27FC236}">
+                <a16:creationId xmlns:a16="http://schemas.microsoft.com/office/drawing/2014/main" id="{BB567872-8251-475D-962D-520EE04BE618}"/>
+              </a:ext>
+              <a:ext uri="{C183D7F6-B498-43B3-948B-1728B52AA6E4}">
+                <adec:decorative xmlns:adec="http://schemas.microsoft.com/office/drawing/2017/decorative" val="1"/>
+              </a:ext>
+            </a:extLst>
+          </p:cNvPr>
+          <p:cNvSpPr>
+            <a:spLocks noGrp="1" noRot="1" noChangeAspect="1" noMove="1" noResize="1" noEditPoints="1" noAdjustHandles="1" noChangeArrowheads="1" noChangeShapeType="1" noTextEdit="1"/>
+          </p:cNvSpPr>
+          <p:nvPr>
+            <p:extLst>
+              <p:ext uri="{386F3935-93C4-4BCD-93E2-E3B085C9AB24}">
+                <p16:designElem xmlns:p16="http://schemas.microsoft.com/office/powerpoint/2015/main" val="1"/>
+              </p:ext>
+            </p:extLst>
+          </p:nvPr>
+        </p:nvSpPr>
+        <p:spPr>
+          <a:xfrm>
+            <a:off x="4169664" y="2130552"/>
+            <a:ext cx="3502152" cy="2048256"/>
+          </a:xfrm>
+          <a:prstGeom prst="rect">
+            <a:avLst/>
+          </a:prstGeom>
+          <a:solidFill>
+            <a:srgbClr val="FFA000">
+              <a:alpha val="20000"/>
+            </a:srgbClr>
+          </a:solidFill>
+          <a:ln w="25400">
+            <a:noFill/>
+          </a:ln>
+        </p:spPr>
+        <p:style>
+          <a:lnRef idx="2">
+            <a:schemeClr val="accent1">
+              <a:shade val="50000"/>
+            </a:schemeClr>
+          </a:lnRef>
+          <a:fillRef idx="1">
+            <a:schemeClr val="accent1"/>
+          </a:fillRef>
+          <a:effectRef idx="0">
+            <a:schemeClr val="accent1"/>
+          </a:effectRef>
+          <a:fontRef idx="minor">
+            <a:schemeClr val="lt1"/>
+          </a:fontRef>
+        </p:style>
+        <p:txBody>
+          <a:bodyPr rtlCol="0" anchor="ctr"/>
+          <a:lstStyle/>
+          <a:p>
+            <a:pPr marL="0" marR="0" lvl="0" indent="0" algn="ctr" defTabSz="914400" rtl="0" eaLnBrk="1" fontAlgn="auto" latinLnBrk="0" hangingPunct="1">
+              <a:lnSpc>
+                <a:spcPct val="100000"/>
+              </a:lnSpc>
+              <a:spcBef>
+                <a:spcPts val="0"/>
+              </a:spcBef>
+              <a:spcAft>
+                <a:spcPts val="0"/>
+              </a:spcAft>
+              <a:buClrTx/>
+              <a:buSzTx/>
+              <a:buFontTx/>
+              <a:buNone/>
+              <a:tabLst/>
+              <a:defRPr/>
+            </a:pPr>
+            <a:endParaRPr kumimoji="0" lang="en-US" sz="1800" b="0" i="0" u="none" strike="noStrike" kern="1200" cap="none" spc="0" normalizeH="0" baseline="0" noProof="0">
+              <a:ln>
+                <a:noFill/>
+              </a:ln>
+              <a:solidFill>
+                <a:srgbClr val="FFFFFF"/>
+              </a:solidFill>
+              <a:effectLst/>
+              <a:uLnTx/>
+              <a:uFillTx/>
+              <a:latin typeface="Calibri" panose="020F0502020204030204"/>
+              <a:ea typeface="+mn-ea"/>
+              <a:cs typeface="+mn-cs"/>
+            </a:endParaRPr>
+          </a:p>
+        </p:txBody>
+      </p:sp>
       <p:pic>
         <p:nvPicPr>
-          <p:cNvPr id="7" name="Picture 6" descr="Chart&#10;&#10;Description automatically generated">
-            <a:extLst>
-              <a:ext uri="{FF2B5EF4-FFF2-40B4-BE49-F238E27FC236}">
-                <a16:creationId xmlns:a16="http://schemas.microsoft.com/office/drawing/2014/main" id="{51A07B79-217B-4F40-9108-B59879737AE3}"/>
+          <p:cNvPr id="5" name="Content Placeholder 4" descr="Table&#10;&#10;Description automatically generated">
+            <a:extLst>
+              <a:ext uri="{FF2B5EF4-FFF2-40B4-BE49-F238E27FC236}">
+                <a16:creationId xmlns:a16="http://schemas.microsoft.com/office/drawing/2014/main" id="{FB582759-9809-4E20-A45A-BD9DECF99312}"/>
               </a:ext>
             </a:extLst>
           </p:cNvPr>
@@ -7404,8 +7470,8 @@
         </p:blipFill>
         <p:spPr>
           <a:xfrm>
-            <a:off x="4038599" y="3817644"/>
-            <a:ext cx="7186613" cy="1931988"/>
+            <a:off x="4209624" y="3273341"/>
+            <a:ext cx="3422232" cy="791658"/>
           </a:xfrm>
           <a:prstGeom prst="rect">
             <a:avLst/>
@@ -7414,138 +7480,436 @@
       </p:pic>
       <p:sp>
         <p:nvSpPr>
-          <p:cNvPr id="2" name="Title 1">
-            <a:extLst>
-              <a:ext uri="{FF2B5EF4-FFF2-40B4-BE49-F238E27FC236}">
-                <a16:creationId xmlns:a16="http://schemas.microsoft.com/office/drawing/2014/main" id="{3F9F1CC8-ED1B-46E0-8988-92BEF92A3390}"/>
-              </a:ext>
-            </a:extLst>
-          </p:cNvPr>
-          <p:cNvSpPr>
-            <a:spLocks noGrp="1"/>
-          </p:cNvSpPr>
-          <p:nvPr>
-            <p:ph type="title"/>
+          <p:cNvPr id="49" name="Rectangle 27">
+            <a:extLst>
+              <a:ext uri="{FF2B5EF4-FFF2-40B4-BE49-F238E27FC236}">
+                <a16:creationId xmlns:a16="http://schemas.microsoft.com/office/drawing/2014/main" id="{1A6DEEC8-CE11-49F4-A18C-EC6EF9B7182E}"/>
+              </a:ext>
+              <a:ext uri="{C183D7F6-B498-43B3-948B-1728B52AA6E4}">
+                <adec:decorative xmlns:adec="http://schemas.microsoft.com/office/drawing/2017/decorative" val="1"/>
+              </a:ext>
+            </a:extLst>
+          </p:cNvPr>
+          <p:cNvSpPr>
+            <a:spLocks noGrp="1" noRot="1" noChangeAspect="1" noMove="1" noResize="1" noEditPoints="1" noAdjustHandles="1" noChangeArrowheads="1" noChangeShapeType="1" noTextEdit="1"/>
+          </p:cNvSpPr>
+          <p:nvPr>
+            <p:extLst>
+              <p:ext uri="{386F3935-93C4-4BCD-93E2-E3B085C9AB24}">
+                <p16:designElem xmlns:p16="http://schemas.microsoft.com/office/powerpoint/2015/main" val="1"/>
+              </p:ext>
+            </p:extLst>
           </p:nvPr>
         </p:nvSpPr>
         <p:spPr>
           <a:xfrm>
-            <a:off x="640080" y="2074363"/>
-            <a:ext cx="2752354" cy="2709275"/>
-          </a:xfrm>
-          <a:prstGeom prst="ellipse">
+            <a:off x="466344" y="4343400"/>
+            <a:ext cx="3502152" cy="2048256"/>
+          </a:xfrm>
+          <a:prstGeom prst="rect">
+            <a:avLst/>
+          </a:prstGeom>
+          <a:solidFill>
+            <a:srgbClr val="FFA000">
+              <a:alpha val="20000"/>
+            </a:srgbClr>
+          </a:solidFill>
+          <a:ln w="25400">
+            <a:noFill/>
+          </a:ln>
+        </p:spPr>
+        <p:style>
+          <a:lnRef idx="2">
+            <a:schemeClr val="accent1">
+              <a:shade val="50000"/>
+            </a:schemeClr>
+          </a:lnRef>
+          <a:fillRef idx="1">
+            <a:schemeClr val="accent1"/>
+          </a:fillRef>
+          <a:effectRef idx="0">
+            <a:schemeClr val="accent1"/>
+          </a:effectRef>
+          <a:fontRef idx="minor">
+            <a:schemeClr val="lt1"/>
+          </a:fontRef>
+        </p:style>
+        <p:txBody>
+          <a:bodyPr rtlCol="0" anchor="ctr"/>
+          <a:lstStyle/>
+          <a:p>
+            <a:pPr marL="0" marR="0" lvl="0" indent="0" algn="ctr" defTabSz="914400" rtl="0" eaLnBrk="1" fontAlgn="auto" latinLnBrk="0" hangingPunct="1">
+              <a:lnSpc>
+                <a:spcPct val="100000"/>
+              </a:lnSpc>
+              <a:spcBef>
+                <a:spcPts val="0"/>
+              </a:spcBef>
+              <a:spcAft>
+                <a:spcPts val="0"/>
+              </a:spcAft>
+              <a:buClrTx/>
+              <a:buSzTx/>
+              <a:buFontTx/>
+              <a:buNone/>
+              <a:tabLst/>
+              <a:defRPr/>
+            </a:pPr>
+            <a:endParaRPr kumimoji="0" lang="en-US" sz="1800" b="0" i="0" u="none" strike="noStrike" kern="1200" cap="none" spc="0" normalizeH="0" baseline="0" noProof="0">
+              <a:ln>
+                <a:noFill/>
+              </a:ln>
+              <a:solidFill>
+                <a:srgbClr val="FFFFFF"/>
+              </a:solidFill>
+              <a:effectLst/>
+              <a:uLnTx/>
+              <a:uFillTx/>
+              <a:latin typeface="Calibri" panose="020F0502020204030204"/>
+              <a:ea typeface="+mn-ea"/>
+              <a:cs typeface="+mn-cs"/>
+            </a:endParaRPr>
+          </a:p>
+        </p:txBody>
+      </p:sp>
+      <p:pic>
+        <p:nvPicPr>
+          <p:cNvPr id="9" name="Picture 8" descr="Table&#10;&#10;Description automatically generated">
+            <a:extLst>
+              <a:ext uri="{FF2B5EF4-FFF2-40B4-BE49-F238E27FC236}">
+                <a16:creationId xmlns:a16="http://schemas.microsoft.com/office/drawing/2014/main" id="{0AF02DD5-EB61-4DE8-BD36-82A6A0209BA4}"/>
+              </a:ext>
+            </a:extLst>
+          </p:cNvPr>
+          <p:cNvPicPr>
+            <a:picLocks noChangeAspect="1"/>
+          </p:cNvPicPr>
+          <p:nvPr/>
+        </p:nvPicPr>
+        <p:blipFill>
+          <a:blip r:embed="rId4">
+            <a:extLst>
+              <a:ext uri="{28A0092B-C50C-407E-A947-70E740481C1C}">
+                <a14:useLocalDpi xmlns:a14="http://schemas.microsoft.com/office/drawing/2010/main" val="0"/>
+              </a:ext>
+            </a:extLst>
+          </a:blip>
+          <a:stretch>
+            <a:fillRect/>
+          </a:stretch>
+        </p:blipFill>
+        <p:spPr>
+          <a:xfrm>
+            <a:off x="465400" y="3282389"/>
+            <a:ext cx="3502151" cy="773563"/>
+          </a:xfrm>
+          <a:prstGeom prst="rect">
+            <a:avLst/>
+          </a:prstGeom>
+        </p:spPr>
+      </p:pic>
+      <p:sp>
+        <p:nvSpPr>
+          <p:cNvPr id="30" name="Rectangle 29">
+            <a:extLst>
+              <a:ext uri="{FF2B5EF4-FFF2-40B4-BE49-F238E27FC236}">
+                <a16:creationId xmlns:a16="http://schemas.microsoft.com/office/drawing/2014/main" id="{29A731F8-6298-4F9F-B7B3-D5A4F4D38DB0}"/>
+              </a:ext>
+              <a:ext uri="{C183D7F6-B498-43B3-948B-1728B52AA6E4}">
+                <adec:decorative xmlns:adec="http://schemas.microsoft.com/office/drawing/2017/decorative" val="1"/>
+              </a:ext>
+            </a:extLst>
+          </p:cNvPr>
+          <p:cNvSpPr>
+            <a:spLocks noGrp="1" noRot="1" noChangeAspect="1" noMove="1" noResize="1" noEditPoints="1" noAdjustHandles="1" noChangeArrowheads="1" noChangeShapeType="1" noTextEdit="1"/>
+          </p:cNvSpPr>
+          <p:nvPr>
+            <p:extLst>
+              <p:ext uri="{386F3935-93C4-4BCD-93E2-E3B085C9AB24}">
+                <p16:designElem xmlns:p16="http://schemas.microsoft.com/office/powerpoint/2015/main" val="1"/>
+              </p:ext>
+            </p:extLst>
+          </p:nvPr>
+        </p:nvSpPr>
+        <p:spPr>
+          <a:xfrm>
+            <a:off x="4169664" y="4343400"/>
+            <a:ext cx="3502152" cy="2048256"/>
+          </a:xfrm>
+          <a:prstGeom prst="rect">
+            <a:avLst/>
+          </a:prstGeom>
+          <a:solidFill>
+            <a:srgbClr val="FFA000">
+              <a:alpha val="20000"/>
+            </a:srgbClr>
+          </a:solidFill>
+          <a:ln w="25400">
+            <a:noFill/>
+          </a:ln>
+        </p:spPr>
+        <p:style>
+          <a:lnRef idx="2">
+            <a:schemeClr val="accent1">
+              <a:shade val="50000"/>
+            </a:schemeClr>
+          </a:lnRef>
+          <a:fillRef idx="1">
+            <a:schemeClr val="accent1"/>
+          </a:fillRef>
+          <a:effectRef idx="0">
+            <a:schemeClr val="accent1"/>
+          </a:effectRef>
+          <a:fontRef idx="minor">
+            <a:schemeClr val="lt1"/>
+          </a:fontRef>
+        </p:style>
+        <p:txBody>
+          <a:bodyPr rtlCol="0" anchor="ctr"/>
+          <a:lstStyle/>
+          <a:p>
+            <a:pPr marL="0" marR="0" lvl="0" indent="0" algn="ctr" defTabSz="914400" rtl="0" eaLnBrk="1" fontAlgn="auto" latinLnBrk="0" hangingPunct="1">
+              <a:lnSpc>
+                <a:spcPct val="100000"/>
+              </a:lnSpc>
+              <a:spcBef>
+                <a:spcPts val="0"/>
+              </a:spcBef>
+              <a:spcAft>
+                <a:spcPts val="0"/>
+              </a:spcAft>
+              <a:buClrTx/>
+              <a:buSzTx/>
+              <a:buFontTx/>
+              <a:buNone/>
+              <a:tabLst/>
+              <a:defRPr/>
+            </a:pPr>
+            <a:endParaRPr kumimoji="0" lang="en-US" sz="1800" b="0" i="0" u="none" strike="noStrike" kern="1200" cap="none" spc="0" normalizeH="0" baseline="0" noProof="0">
+              <a:ln>
+                <a:noFill/>
+              </a:ln>
+              <a:solidFill>
+                <a:srgbClr val="FFFFFF"/>
+              </a:solidFill>
+              <a:effectLst/>
+              <a:uLnTx/>
+              <a:uFillTx/>
+              <a:latin typeface="Calibri" panose="020F0502020204030204"/>
+              <a:ea typeface="+mn-ea"/>
+              <a:cs typeface="+mn-cs"/>
+            </a:endParaRPr>
+          </a:p>
+        </p:txBody>
+      </p:sp>
+      <p:pic>
+        <p:nvPicPr>
+          <p:cNvPr id="7" name="Picture 6" descr="Table&#10;&#10;Description automatically generated">
+            <a:extLst>
+              <a:ext uri="{FF2B5EF4-FFF2-40B4-BE49-F238E27FC236}">
+                <a16:creationId xmlns:a16="http://schemas.microsoft.com/office/drawing/2014/main" id="{7887C60F-E405-407C-8B4D-FA54E41E64CB}"/>
+              </a:ext>
+            </a:extLst>
+          </p:cNvPr>
+          <p:cNvPicPr>
+            <a:picLocks noChangeAspect="1"/>
+          </p:cNvPicPr>
+          <p:nvPr/>
+        </p:nvPicPr>
+        <p:blipFill>
+          <a:blip r:embed="rId5">
+            <a:extLst>
+              <a:ext uri="{28A0092B-C50C-407E-A947-70E740481C1C}">
+                <a14:useLocalDpi xmlns:a14="http://schemas.microsoft.com/office/drawing/2010/main" val="0"/>
+              </a:ext>
+            </a:extLst>
+          </a:blip>
+          <a:stretch>
+            <a:fillRect/>
+          </a:stretch>
+        </p:blipFill>
+        <p:spPr>
+          <a:xfrm>
+            <a:off x="4209624" y="2406876"/>
+            <a:ext cx="3454050" cy="791658"/>
+          </a:xfrm>
+          <a:prstGeom prst="rect">
+            <a:avLst/>
+          </a:prstGeom>
+        </p:spPr>
+      </p:pic>
+      <p:sp>
+        <p:nvSpPr>
+          <p:cNvPr id="32" name="Rectangle 31">
+            <a:extLst>
+              <a:ext uri="{FF2B5EF4-FFF2-40B4-BE49-F238E27FC236}">
+                <a16:creationId xmlns:a16="http://schemas.microsoft.com/office/drawing/2014/main" id="{1C091803-41C2-48E0-9228-5148460C7479}"/>
+              </a:ext>
+              <a:ext uri="{C183D7F6-B498-43B3-948B-1728B52AA6E4}">
+                <adec:decorative xmlns:adec="http://schemas.microsoft.com/office/drawing/2017/decorative" val="1"/>
+              </a:ext>
+            </a:extLst>
+          </p:cNvPr>
+          <p:cNvSpPr>
+            <a:spLocks noGrp="1" noRot="1" noChangeAspect="1" noMove="1" noResize="1" noEditPoints="1" noAdjustHandles="1" noChangeArrowheads="1" noChangeShapeType="1" noTextEdit="1"/>
+          </p:cNvSpPr>
+          <p:nvPr>
+            <p:extLst>
+              <p:ext uri="{386F3935-93C4-4BCD-93E2-E3B085C9AB24}">
+                <p16:designElem xmlns:p16="http://schemas.microsoft.com/office/powerpoint/2015/main" val="1"/>
+              </p:ext>
+            </p:extLst>
+          </p:nvPr>
+        </p:nvSpPr>
+        <p:spPr>
+          <a:xfrm>
+            <a:off x="7845755" y="2127680"/>
+            <a:ext cx="3887324" cy="4273119"/>
+          </a:xfrm>
+          <a:prstGeom prst="rect">
             <a:avLst/>
           </a:prstGeom>
           <a:solidFill>
             <a:schemeClr val="tx1">
-              <a:lumMod val="85000"/>
-              <a:lumOff val="15000"/>
+              <a:lumMod val="50000"/>
+              <a:lumOff val="50000"/>
+              <a:alpha val="20000"/>
             </a:schemeClr>
           </a:solidFill>
-          <a:ln w="174625" cmpd="thinThick">
-            <a:solidFill>
-              <a:schemeClr val="tx1">
-                <a:lumMod val="85000"/>
-                <a:lumOff val="15000"/>
-              </a:schemeClr>
-            </a:solidFill>
+          <a:ln>
+            <a:noFill/>
           </a:ln>
         </p:spPr>
-        <p:txBody>
-          <a:bodyPr vert="horz" lIns="91440" tIns="45720" rIns="91440" bIns="45720" rtlCol="0" anchor="ctr">
-            <a:normAutofit/>
-          </a:bodyPr>
+        <p:style>
+          <a:lnRef idx="2">
+            <a:schemeClr val="accent1">
+              <a:shade val="50000"/>
+            </a:schemeClr>
+          </a:lnRef>
+          <a:fillRef idx="1">
+            <a:schemeClr val="accent1"/>
+          </a:fillRef>
+          <a:effectRef idx="0">
+            <a:schemeClr val="accent1"/>
+          </a:effectRef>
+          <a:fontRef idx="minor">
+            <a:schemeClr val="lt1"/>
+          </a:fontRef>
+        </p:style>
+        <p:txBody>
+          <a:bodyPr rtlCol="0" anchor="ctr"/>
           <a:lstStyle/>
           <a:p>
             <a:pPr algn="ctr"/>
-            <a:r>
-              <a:rPr lang="en-US" sz="2600" kern="1200">
-                <a:solidFill>
-                  <a:schemeClr val="bg1"/>
-                </a:solidFill>
-                <a:latin typeface="+mj-lt"/>
-                <a:ea typeface="+mj-ea"/>
-                <a:cs typeface="+mj-cs"/>
-              </a:rPr>
-              <a:t>Top 30 most common Tokens</a:t>
-            </a:r>
-          </a:p>
-        </p:txBody>
-      </p:sp>
-      <p:sp>
-        <p:nvSpPr>
-          <p:cNvPr id="8" name="TextBox 7">
-            <a:extLst>
-              <a:ext uri="{FF2B5EF4-FFF2-40B4-BE49-F238E27FC236}">
-                <a16:creationId xmlns:a16="http://schemas.microsoft.com/office/drawing/2014/main" id="{74BA8080-2D5D-44E8-AD87-77322C5D0614}"/>
-              </a:ext>
-            </a:extLst>
-          </p:cNvPr>
-          <p:cNvSpPr txBox="1"/>
+            <a:endParaRPr lang="en-US"/>
+          </a:p>
+        </p:txBody>
+      </p:sp>
+      <p:pic>
+        <p:nvPicPr>
+          <p:cNvPr id="13" name="Content Placeholder 12" descr="Table&#10;&#10;Description automatically generated">
+            <a:extLst>
+              <a:ext uri="{FF2B5EF4-FFF2-40B4-BE49-F238E27FC236}">
+                <a16:creationId xmlns:a16="http://schemas.microsoft.com/office/drawing/2014/main" id="{E83F9C2A-3335-4B06-A3B5-07A5CB793FB7}"/>
+              </a:ext>
+            </a:extLst>
+          </p:cNvPr>
+          <p:cNvPicPr>
+            <a:picLocks noGrp="1" noChangeAspect="1"/>
+          </p:cNvPicPr>
+          <p:nvPr>
+            <p:ph idx="1"/>
+          </p:nvPr>
+        </p:nvPicPr>
+        <p:blipFill>
+          <a:blip r:embed="rId6">
+            <a:extLst>
+              <a:ext uri="{28A0092B-C50C-407E-A947-70E740481C1C}">
+                <a14:useLocalDpi xmlns:a14="http://schemas.microsoft.com/office/drawing/2010/main" val="0"/>
+              </a:ext>
+            </a:extLst>
+          </a:blip>
+          <a:stretch>
+            <a:fillRect/>
+          </a:stretch>
+        </p:blipFill>
+        <p:spPr>
+          <a:xfrm>
+            <a:off x="4209623" y="4534679"/>
+            <a:ext cx="3465719" cy="1455632"/>
+          </a:xfrm>
+        </p:spPr>
+      </p:pic>
+      <p:pic>
+        <p:nvPicPr>
+          <p:cNvPr id="17" name="Picture 16" descr="Table&#10;&#10;Description automatically generated">
+            <a:extLst>
+              <a:ext uri="{FF2B5EF4-FFF2-40B4-BE49-F238E27FC236}">
+                <a16:creationId xmlns:a16="http://schemas.microsoft.com/office/drawing/2014/main" id="{B8FBAEAD-B90D-43C1-87FD-24422C2A8191}"/>
+              </a:ext>
+            </a:extLst>
+          </p:cNvPr>
+          <p:cNvPicPr>
+            <a:picLocks noChangeAspect="1"/>
+          </p:cNvPicPr>
           <p:nvPr/>
-        </p:nvSpPr>
+        </p:nvPicPr>
+        <p:blipFill>
+          <a:blip r:embed="rId7">
+            <a:extLst>
+              <a:ext uri="{28A0092B-C50C-407E-A947-70E740481C1C}">
+                <a14:useLocalDpi xmlns:a14="http://schemas.microsoft.com/office/drawing/2010/main" val="0"/>
+              </a:ext>
+            </a:extLst>
+          </a:blip>
+          <a:stretch>
+            <a:fillRect/>
+          </a:stretch>
+        </p:blipFill>
         <p:spPr>
           <a:xfrm>
-            <a:off x="7147249" y="1177603"/>
-            <a:ext cx="1539551" cy="369332"/>
+            <a:off x="446050" y="4534678"/>
+            <a:ext cx="3521501" cy="1455633"/>
           </a:xfrm>
           <a:prstGeom prst="rect">
             <a:avLst/>
           </a:prstGeom>
-          <a:noFill/>
-        </p:spPr>
-        <p:txBody>
-          <a:bodyPr wrap="square" rtlCol="0">
-            <a:spAutoFit/>
-          </a:bodyPr>
-          <a:lstStyle/>
-          <a:p>
-            <a:r>
-              <a:rPr lang="en-US" dirty="0"/>
-              <a:t>Essay 1</a:t>
-            </a:r>
-          </a:p>
-        </p:txBody>
-      </p:sp>
-      <p:sp>
-        <p:nvSpPr>
-          <p:cNvPr id="9" name="TextBox 8">
-            <a:extLst>
-              <a:ext uri="{FF2B5EF4-FFF2-40B4-BE49-F238E27FC236}">
-                <a16:creationId xmlns:a16="http://schemas.microsoft.com/office/drawing/2014/main" id="{0F44BF0A-1015-43B6-80D8-6A57DA103720}"/>
-              </a:ext>
-            </a:extLst>
-          </p:cNvPr>
-          <p:cNvSpPr txBox="1"/>
+        </p:spPr>
+      </p:pic>
+      <p:pic>
+        <p:nvPicPr>
+          <p:cNvPr id="35" name="Picture 34">
+            <a:extLst>
+              <a:ext uri="{FF2B5EF4-FFF2-40B4-BE49-F238E27FC236}">
+                <a16:creationId xmlns:a16="http://schemas.microsoft.com/office/drawing/2014/main" id="{4028B66C-B7DB-4324-B25B-93D348FAB5D3}"/>
+              </a:ext>
+            </a:extLst>
+          </p:cNvPr>
+          <p:cNvPicPr>
+            <a:picLocks noChangeAspect="1"/>
+          </p:cNvPicPr>
           <p:nvPr/>
-        </p:nvSpPr>
+        </p:nvPicPr>
+        <p:blipFill>
+          <a:blip r:embed="rId8"/>
+          <a:stretch>
+            <a:fillRect/>
+          </a:stretch>
+        </p:blipFill>
         <p:spPr>
           <a:xfrm>
-            <a:off x="7147249" y="3448312"/>
-            <a:ext cx="1539551" cy="369332"/>
+            <a:off x="8259591" y="3583585"/>
+            <a:ext cx="3059651" cy="962827"/>
           </a:xfrm>
           <a:prstGeom prst="rect">
             <a:avLst/>
           </a:prstGeom>
-          <a:noFill/>
-        </p:spPr>
-        <p:txBody>
-          <a:bodyPr wrap="square" rtlCol="0">
-            <a:spAutoFit/>
-          </a:bodyPr>
-          <a:lstStyle/>
-          <a:p>
-            <a:r>
-              <a:rPr lang="en-US" dirty="0"/>
-              <a:t>Essay 2</a:t>
-            </a:r>
-          </a:p>
-        </p:txBody>
-      </p:sp>
+        </p:spPr>
+      </p:pic>
     </p:spTree>
     <p:extLst>
       <p:ext uri="{BB962C8B-B14F-4D97-AF65-F5344CB8AC3E}">
-        <p14:creationId xmlns:p14="http://schemas.microsoft.com/office/powerpoint/2010/main" val="4020538233"/>
+        <p14:creationId xmlns:p14="http://schemas.microsoft.com/office/powerpoint/2010/main" val="2608525511"/>
       </p:ext>
     </p:extLst>
   </p:cSld>
@@ -7580,169 +7944,12 @@
           <a:chExt cx="0" cy="0"/>
         </a:xfrm>
       </p:grpSpPr>
-      <p:sp>
-        <p:nvSpPr>
-          <p:cNvPr id="12" name="Rectangle 11">
-            <a:extLst>
-              <a:ext uri="{FF2B5EF4-FFF2-40B4-BE49-F238E27FC236}">
-                <a16:creationId xmlns:a16="http://schemas.microsoft.com/office/drawing/2014/main" id="{823AC064-BC96-4F32-8AE1-B2FD38754823}"/>
-              </a:ext>
-              <a:ext uri="{C183D7F6-B498-43B3-948B-1728B52AA6E4}">
-                <adec:decorative xmlns:adec="http://schemas.microsoft.com/office/drawing/2017/decorative" val="1"/>
-              </a:ext>
-            </a:extLst>
-          </p:cNvPr>
-          <p:cNvSpPr>
-            <a:spLocks noGrp="1" noRot="1" noChangeAspect="1" noMove="1" noResize="1" noEditPoints="1" noAdjustHandles="1" noChangeArrowheads="1" noChangeShapeType="1" noTextEdit="1"/>
-          </p:cNvSpPr>
-          <p:nvPr>
-            <p:extLst>
-              <p:ext uri="{386F3935-93C4-4BCD-93E2-E3B085C9AB24}">
-                <p16:designElem xmlns:p16="http://schemas.microsoft.com/office/powerpoint/2015/main" val="1"/>
-              </p:ext>
-            </p:extLst>
-          </p:nvPr>
-        </p:nvSpPr>
-        <p:spPr bwMode="ltGray">
-          <a:xfrm>
-            <a:off x="396882" y="280374"/>
-            <a:ext cx="11438793" cy="1844256"/>
-          </a:xfrm>
-          <a:prstGeom prst="rect">
-            <a:avLst/>
-          </a:prstGeom>
-          <a:solidFill>
-            <a:srgbClr val="404040"/>
-          </a:solidFill>
-          <a:ln w="127000" cap="sq" cmpd="thinThick">
-            <a:solidFill>
-              <a:srgbClr val="404040"/>
-            </a:solidFill>
-          </a:ln>
-        </p:spPr>
-        <p:style>
-          <a:lnRef idx="2">
-            <a:schemeClr val="accent1">
-              <a:shade val="50000"/>
-            </a:schemeClr>
-          </a:lnRef>
-          <a:fillRef idx="1">
-            <a:schemeClr val="accent1"/>
-          </a:fillRef>
-          <a:effectRef idx="0">
-            <a:schemeClr val="accent1"/>
-          </a:effectRef>
-          <a:fontRef idx="minor">
-            <a:schemeClr val="lt1"/>
-          </a:fontRef>
-        </p:style>
-        <p:txBody>
-          <a:bodyPr rtlCol="0" anchor="ctr"/>
-          <a:lstStyle/>
-          <a:p>
-            <a:pPr algn="ctr"/>
-            <a:endParaRPr lang="en-US"/>
-          </a:p>
-        </p:txBody>
-      </p:sp>
-      <p:sp>
-        <p:nvSpPr>
-          <p:cNvPr id="2" name="Title 1">
-            <a:extLst>
-              <a:ext uri="{FF2B5EF4-FFF2-40B4-BE49-F238E27FC236}">
-                <a16:creationId xmlns:a16="http://schemas.microsoft.com/office/drawing/2014/main" id="{4EBFC9EE-0737-4AE5-9566-4E92CA304B54}"/>
-              </a:ext>
-            </a:extLst>
-          </p:cNvPr>
-          <p:cNvSpPr>
-            <a:spLocks noGrp="1"/>
-          </p:cNvSpPr>
-          <p:nvPr>
-            <p:ph type="title"/>
-          </p:nvPr>
-        </p:nvSpPr>
-        <p:spPr>
-          <a:xfrm>
-            <a:off x="546351" y="433545"/>
-            <a:ext cx="11139854" cy="930447"/>
-          </a:xfrm>
-        </p:spPr>
-        <p:txBody>
-          <a:bodyPr vert="horz" lIns="91440" tIns="45720" rIns="91440" bIns="45720" rtlCol="0" anchor="b">
-            <a:normAutofit/>
-          </a:bodyPr>
-          <a:lstStyle/>
-          <a:p>
-            <a:pPr algn="ctr"/>
-            <a:r>
-              <a:rPr lang="en-US" sz="5400">
-                <a:solidFill>
-                  <a:srgbClr val="FFFFFF"/>
-                </a:solidFill>
-              </a:rPr>
-              <a:t>Ποσοστό tokens με Frequency = 1</a:t>
-            </a:r>
-          </a:p>
-        </p:txBody>
-      </p:sp>
-      <p:cxnSp>
-        <p:nvCxnSpPr>
-          <p:cNvPr id="14" name="Straight Connector 13">
-            <a:extLst>
-              <a:ext uri="{FF2B5EF4-FFF2-40B4-BE49-F238E27FC236}">
-                <a16:creationId xmlns:a16="http://schemas.microsoft.com/office/drawing/2014/main" id="{7E7C77BC-7138-40B1-A15B-20F57A494629}"/>
-              </a:ext>
-              <a:ext uri="{C183D7F6-B498-43B3-948B-1728B52AA6E4}">
-                <adec:decorative xmlns:adec="http://schemas.microsoft.com/office/drawing/2017/decorative" val="1"/>
-              </a:ext>
-            </a:extLst>
-          </p:cNvPr>
-          <p:cNvCxnSpPr>
-            <a:cxnSpLocks noGrp="1" noRot="1" noChangeAspect="1" noMove="1" noResize="1" noEditPoints="1" noAdjustHandles="1" noChangeArrowheads="1" noChangeShapeType="1"/>
-          </p:cNvCxnSpPr>
-          <p:nvPr>
-            <p:extLst>
-              <p:ext uri="{386F3935-93C4-4BCD-93E2-E3B085C9AB24}">
-                <p16:designElem xmlns:p16="http://schemas.microsoft.com/office/powerpoint/2015/main" val="1"/>
-              </p:ext>
-            </p:extLst>
-          </p:nvPr>
-        </p:nvCxnSpPr>
-        <p:spPr>
-          <a:xfrm>
-            <a:off x="2230078" y="1522292"/>
-            <a:ext cx="7772400" cy="0"/>
-          </a:xfrm>
-          <a:prstGeom prst="line">
-            <a:avLst/>
-          </a:prstGeom>
-          <a:ln w="22225">
-            <a:solidFill>
-              <a:srgbClr val="D9D9D9"/>
-            </a:solidFill>
-          </a:ln>
-        </p:spPr>
-        <p:style>
-          <a:lnRef idx="1">
-            <a:schemeClr val="accent1"/>
-          </a:lnRef>
-          <a:fillRef idx="0">
-            <a:schemeClr val="accent1"/>
-          </a:fillRef>
-          <a:effectRef idx="0">
-            <a:schemeClr val="accent1"/>
-          </a:effectRef>
-          <a:fontRef idx="minor">
-            <a:schemeClr val="tx1"/>
-          </a:fontRef>
-        </p:style>
-      </p:cxnSp>
       <p:pic>
         <p:nvPicPr>
-          <p:cNvPr id="5" name="Content Placeholder 4" descr="Table&#10;&#10;Description automatically generated">
-            <a:extLst>
-              <a:ext uri="{FF2B5EF4-FFF2-40B4-BE49-F238E27FC236}">
-                <a16:creationId xmlns:a16="http://schemas.microsoft.com/office/drawing/2014/main" id="{E39D5106-485A-4C98-B519-BD52B557D95B}"/>
+          <p:cNvPr id="5" name="Content Placeholder 4" descr="Chart&#10;&#10;Description automatically generated">
+            <a:extLst>
+              <a:ext uri="{FF2B5EF4-FFF2-40B4-BE49-F238E27FC236}">
+                <a16:creationId xmlns:a16="http://schemas.microsoft.com/office/drawing/2014/main" id="{40D59393-595B-4C0C-A75C-284BA0A12943}"/>
               </a:ext>
             </a:extLst>
           </p:cNvPr>
@@ -7767,72 +7974,17 @@
         </p:blipFill>
         <p:spPr>
           <a:xfrm>
-            <a:off x="331567" y="3856102"/>
-            <a:ext cx="5455917" cy="1139068"/>
-          </a:xfrm>
-          <a:prstGeom prst="rect">
-            <a:avLst/>
-          </a:prstGeom>
+            <a:off x="4038600" y="1450975"/>
+            <a:ext cx="7186613" cy="1968500"/>
+          </a:xfrm>
         </p:spPr>
       </p:pic>
-      <p:cxnSp>
-        <p:nvCxnSpPr>
-          <p:cNvPr id="16" name="Straight Connector 15">
-            <a:extLst>
-              <a:ext uri="{FF2B5EF4-FFF2-40B4-BE49-F238E27FC236}">
-                <a16:creationId xmlns:a16="http://schemas.microsoft.com/office/drawing/2014/main" id="{DB146403-F3D6-484B-B2ED-97F9565D0370}"/>
-              </a:ext>
-              <a:ext uri="{C183D7F6-B498-43B3-948B-1728B52AA6E4}">
-                <adec:decorative xmlns:adec="http://schemas.microsoft.com/office/drawing/2017/decorative" val="1"/>
-              </a:ext>
-            </a:extLst>
-          </p:cNvPr>
-          <p:cNvCxnSpPr>
-            <a:cxnSpLocks noGrp="1" noRot="1" noChangeAspect="1" noMove="1" noResize="1" noEditPoints="1" noAdjustHandles="1" noChangeArrowheads="1" noChangeShapeType="1"/>
-          </p:cNvCxnSpPr>
-          <p:nvPr>
-            <p:extLst>
-              <p:ext uri="{386F3935-93C4-4BCD-93E2-E3B085C9AB24}">
-                <p16:designElem xmlns:p16="http://schemas.microsoft.com/office/powerpoint/2015/main" val="1"/>
-              </p:ext>
-            </p:extLst>
-          </p:nvPr>
-        </p:nvCxnSpPr>
-        <p:spPr>
-          <a:xfrm>
-            <a:off x="6116278" y="2596836"/>
-            <a:ext cx="0" cy="3657600"/>
-          </a:xfrm>
-          <a:prstGeom prst="line">
-            <a:avLst/>
-          </a:prstGeom>
-          <a:ln w="101600" cmpd="dbl">
-            <a:solidFill>
-              <a:srgbClr val="595959"/>
-            </a:solidFill>
-          </a:ln>
-        </p:spPr>
-        <p:style>
-          <a:lnRef idx="1">
-            <a:schemeClr val="accent1"/>
-          </a:lnRef>
-          <a:fillRef idx="0">
-            <a:schemeClr val="accent1"/>
-          </a:fillRef>
-          <a:effectRef idx="0">
-            <a:schemeClr val="accent1"/>
-          </a:effectRef>
-          <a:fontRef idx="minor">
-            <a:schemeClr val="tx1"/>
-          </a:fontRef>
-        </p:style>
-      </p:cxnSp>
       <p:pic>
         <p:nvPicPr>
-          <p:cNvPr id="7" name="Picture 6" descr="Table&#10;&#10;Description automatically generated">
-            <a:extLst>
-              <a:ext uri="{FF2B5EF4-FFF2-40B4-BE49-F238E27FC236}">
-                <a16:creationId xmlns:a16="http://schemas.microsoft.com/office/drawing/2014/main" id="{EA8C10A7-BB5D-40C6-A058-80515E559BC8}"/>
+          <p:cNvPr id="7" name="Picture 6" descr="Chart&#10;&#10;Description automatically generated">
+            <a:extLst>
+              <a:ext uri="{FF2B5EF4-FFF2-40B4-BE49-F238E27FC236}">
+                <a16:creationId xmlns:a16="http://schemas.microsoft.com/office/drawing/2014/main" id="{51A07B79-217B-4F40-9108-B59879737AE3}"/>
               </a:ext>
             </a:extLst>
           </p:cNvPr>
@@ -7855,18 +8007,148 @@
         </p:blipFill>
         <p:spPr>
           <a:xfrm>
-            <a:off x="6445073" y="3857464"/>
-            <a:ext cx="5455917" cy="1136345"/>
+            <a:off x="4038599" y="3817644"/>
+            <a:ext cx="7186613" cy="1931988"/>
           </a:xfrm>
           <a:prstGeom prst="rect">
             <a:avLst/>
           </a:prstGeom>
         </p:spPr>
       </p:pic>
+      <p:sp>
+        <p:nvSpPr>
+          <p:cNvPr id="2" name="Title 1">
+            <a:extLst>
+              <a:ext uri="{FF2B5EF4-FFF2-40B4-BE49-F238E27FC236}">
+                <a16:creationId xmlns:a16="http://schemas.microsoft.com/office/drawing/2014/main" id="{3F9F1CC8-ED1B-46E0-8988-92BEF92A3390}"/>
+              </a:ext>
+            </a:extLst>
+          </p:cNvPr>
+          <p:cNvSpPr>
+            <a:spLocks noGrp="1"/>
+          </p:cNvSpPr>
+          <p:nvPr>
+            <p:ph type="title"/>
+          </p:nvPr>
+        </p:nvSpPr>
+        <p:spPr>
+          <a:xfrm>
+            <a:off x="640080" y="2074363"/>
+            <a:ext cx="2752354" cy="2709275"/>
+          </a:xfrm>
+          <a:prstGeom prst="ellipse">
+            <a:avLst/>
+          </a:prstGeom>
+          <a:solidFill>
+            <a:schemeClr val="tx1">
+              <a:lumMod val="85000"/>
+              <a:lumOff val="15000"/>
+            </a:schemeClr>
+          </a:solidFill>
+          <a:ln w="174625" cmpd="thinThick">
+            <a:solidFill>
+              <a:schemeClr val="tx1">
+                <a:lumMod val="85000"/>
+                <a:lumOff val="15000"/>
+              </a:schemeClr>
+            </a:solidFill>
+          </a:ln>
+        </p:spPr>
+        <p:txBody>
+          <a:bodyPr vert="horz" lIns="91440" tIns="45720" rIns="91440" bIns="45720" rtlCol="0" anchor="ctr">
+            <a:normAutofit/>
+          </a:bodyPr>
+          <a:lstStyle/>
+          <a:p>
+            <a:pPr algn="ctr"/>
+            <a:r>
+              <a:rPr lang="en-US" sz="2600" kern="1200">
+                <a:solidFill>
+                  <a:schemeClr val="bg1"/>
+                </a:solidFill>
+                <a:latin typeface="+mj-lt"/>
+                <a:ea typeface="+mj-ea"/>
+                <a:cs typeface="+mj-cs"/>
+              </a:rPr>
+              <a:t>Top 30 most common Tokens</a:t>
+            </a:r>
+          </a:p>
+        </p:txBody>
+      </p:sp>
+      <p:sp>
+        <p:nvSpPr>
+          <p:cNvPr id="8" name="TextBox 7">
+            <a:extLst>
+              <a:ext uri="{FF2B5EF4-FFF2-40B4-BE49-F238E27FC236}">
+                <a16:creationId xmlns:a16="http://schemas.microsoft.com/office/drawing/2014/main" id="{74BA8080-2D5D-44E8-AD87-77322C5D0614}"/>
+              </a:ext>
+            </a:extLst>
+          </p:cNvPr>
+          <p:cNvSpPr txBox="1"/>
+          <p:nvPr/>
+        </p:nvSpPr>
+        <p:spPr>
+          <a:xfrm>
+            <a:off x="7147249" y="1177603"/>
+            <a:ext cx="1539551" cy="369332"/>
+          </a:xfrm>
+          <a:prstGeom prst="rect">
+            <a:avLst/>
+          </a:prstGeom>
+          <a:noFill/>
+        </p:spPr>
+        <p:txBody>
+          <a:bodyPr wrap="square" rtlCol="0">
+            <a:spAutoFit/>
+          </a:bodyPr>
+          <a:lstStyle/>
+          <a:p>
+            <a:r>
+              <a:rPr lang="en-US" dirty="0"/>
+              <a:t>Essay 1</a:t>
+            </a:r>
+          </a:p>
+        </p:txBody>
+      </p:sp>
+      <p:sp>
+        <p:nvSpPr>
+          <p:cNvPr id="9" name="TextBox 8">
+            <a:extLst>
+              <a:ext uri="{FF2B5EF4-FFF2-40B4-BE49-F238E27FC236}">
+                <a16:creationId xmlns:a16="http://schemas.microsoft.com/office/drawing/2014/main" id="{0F44BF0A-1015-43B6-80D8-6A57DA103720}"/>
+              </a:ext>
+            </a:extLst>
+          </p:cNvPr>
+          <p:cNvSpPr txBox="1"/>
+          <p:nvPr/>
+        </p:nvSpPr>
+        <p:spPr>
+          <a:xfrm>
+            <a:off x="7147249" y="3448312"/>
+            <a:ext cx="1539551" cy="369332"/>
+          </a:xfrm>
+          <a:prstGeom prst="rect">
+            <a:avLst/>
+          </a:prstGeom>
+          <a:noFill/>
+        </p:spPr>
+        <p:txBody>
+          <a:bodyPr wrap="square" rtlCol="0">
+            <a:spAutoFit/>
+          </a:bodyPr>
+          <a:lstStyle/>
+          <a:p>
+            <a:r>
+              <a:rPr lang="en-US" dirty="0"/>
+              <a:t>Essay 2</a:t>
+            </a:r>
+          </a:p>
+        </p:txBody>
+      </p:sp>
     </p:spTree>
     <p:extLst>
       <p:ext uri="{BB962C8B-B14F-4D97-AF65-F5344CB8AC3E}">
-        <p14:creationId xmlns:p14="http://schemas.microsoft.com/office/powerpoint/2010/main" val="1612531425"/>
+        <p14:creationId xmlns:p14="http://schemas.microsoft.com/office/powerpoint/2010/main" val="4020538233"/>
       </p:ext>
     </p:extLst>
   </p:cSld>
